--- a/reference_material/slides/004_functions.pptx
+++ b/reference_material/slides/004_functions.pptx
@@ -14,8 +14,11 @@
     <p:sldId id="267" r:id="rId8"/>
     <p:sldId id="266" r:id="rId9"/>
     <p:sldId id="265" r:id="rId10"/>
-    <p:sldId id="260" r:id="rId11"/>
-    <p:sldId id="261" r:id="rId12"/>
+    <p:sldId id="269" r:id="rId11"/>
+    <p:sldId id="260" r:id="rId12"/>
+    <p:sldId id="268" r:id="rId13"/>
+    <p:sldId id="270" r:id="rId14"/>
+    <p:sldId id="261" r:id="rId15"/>
   </p:sldIdLst>
   <p:sldSz cx="12192000" cy="6858000"/>
   <p:notesSz cx="6858000" cy="9144000"/>
@@ -114,6 +117,11 @@
       </a:defRPr>
     </a:lvl9pPr>
   </p:defaultTextStyle>
+  <p:extLst>
+    <p:ext uri="{EFAFB233-063F-42B5-8137-9DF3F51BA10A}">
+      <p15:sldGuideLst xmlns:p15="http://schemas.microsoft.com/office/powerpoint/2012/main"/>
+    </p:ext>
+  </p:extLst>
 </p:presentation>
 </file>
 
@@ -256,7 +264,7 @@
           <a:p>
             <a:fld id="{BFB70A63-95C6-D94F-BE36-22A433EB2FEA}" type="datetimeFigureOut">
               <a:rPr lang="en-US" smtClean="0"/>
-              <a:t>9/7/23</a:t>
+              <a:t>9/9/24</a:t>
             </a:fld>
             <a:endParaRPr lang="en-US"/>
           </a:p>
@@ -467,7 +475,7 @@
           <a:p>
             <a:fld id="{BFB70A63-95C6-D94F-BE36-22A433EB2FEA}" type="datetimeFigureOut">
               <a:rPr lang="en-US" smtClean="0"/>
-              <a:t>9/7/23</a:t>
+              <a:t>9/9/24</a:t>
             </a:fld>
             <a:endParaRPr lang="en-US"/>
           </a:p>
@@ -682,7 +690,7 @@
           <a:p>
             <a:fld id="{BFB70A63-95C6-D94F-BE36-22A433EB2FEA}" type="datetimeFigureOut">
               <a:rPr lang="en-US" smtClean="0"/>
-              <a:t>9/7/23</a:t>
+              <a:t>9/9/24</a:t>
             </a:fld>
             <a:endParaRPr lang="en-US"/>
           </a:p>
@@ -883,7 +891,7 @@
           <a:p>
             <a:fld id="{BFB70A63-95C6-D94F-BE36-22A433EB2FEA}" type="datetimeFigureOut">
               <a:rPr lang="en-US" smtClean="0"/>
-              <a:t>9/7/23</a:t>
+              <a:t>9/9/24</a:t>
             </a:fld>
             <a:endParaRPr lang="en-US"/>
           </a:p>
@@ -1162,7 +1170,7 @@
           <a:p>
             <a:fld id="{BFB70A63-95C6-D94F-BE36-22A433EB2FEA}" type="datetimeFigureOut">
               <a:rPr lang="en-US" smtClean="0"/>
-              <a:t>9/7/23</a:t>
+              <a:t>9/9/24</a:t>
             </a:fld>
             <a:endParaRPr lang="en-US"/>
           </a:p>
@@ -1430,7 +1438,7 @@
           <a:p>
             <a:fld id="{BFB70A63-95C6-D94F-BE36-22A433EB2FEA}" type="datetimeFigureOut">
               <a:rPr lang="en-US" smtClean="0"/>
-              <a:t>9/7/23</a:t>
+              <a:t>9/9/24</a:t>
             </a:fld>
             <a:endParaRPr lang="en-US"/>
           </a:p>
@@ -1846,7 +1854,7 @@
           <a:p>
             <a:fld id="{BFB70A63-95C6-D94F-BE36-22A433EB2FEA}" type="datetimeFigureOut">
               <a:rPr lang="en-US" smtClean="0"/>
-              <a:t>9/7/23</a:t>
+              <a:t>9/9/24</a:t>
             </a:fld>
             <a:endParaRPr lang="en-US"/>
           </a:p>
@@ -1995,7 +2003,7 @@
           <a:p>
             <a:fld id="{BFB70A63-95C6-D94F-BE36-22A433EB2FEA}" type="datetimeFigureOut">
               <a:rPr lang="en-US" smtClean="0"/>
-              <a:t>9/7/23</a:t>
+              <a:t>9/9/24</a:t>
             </a:fld>
             <a:endParaRPr lang="en-US"/>
           </a:p>
@@ -2121,7 +2129,7 @@
           <a:p>
             <a:fld id="{BFB70A63-95C6-D94F-BE36-22A433EB2FEA}" type="datetimeFigureOut">
               <a:rPr lang="en-US" smtClean="0"/>
-              <a:t>9/7/23</a:t>
+              <a:t>9/9/24</a:t>
             </a:fld>
             <a:endParaRPr lang="en-US"/>
           </a:p>
@@ -2372,7 +2380,7 @@
           <a:p>
             <a:fld id="{BFB70A63-95C6-D94F-BE36-22A433EB2FEA}" type="datetimeFigureOut">
               <a:rPr lang="en-US" smtClean="0"/>
-              <a:t>9/7/23</a:t>
+              <a:t>9/9/24</a:t>
             </a:fld>
             <a:endParaRPr lang="en-US"/>
           </a:p>
@@ -2817,7 +2825,7 @@
           <a:p>
             <a:fld id="{BFB70A63-95C6-D94F-BE36-22A433EB2FEA}" type="datetimeFigureOut">
               <a:rPr lang="en-US" smtClean="0"/>
-              <a:t>9/7/23</a:t>
+              <a:t>9/9/24</a:t>
             </a:fld>
             <a:endParaRPr lang="en-US"/>
           </a:p>
@@ -3144,7 +3152,7 @@
           <a:p>
             <a:fld id="{BFB70A63-95C6-D94F-BE36-22A433EB2FEA}" type="datetimeFigureOut">
               <a:rPr lang="en-US" smtClean="0"/>
-              <a:t>9/7/23</a:t>
+              <a:t>9/9/24</a:t>
             </a:fld>
             <a:endParaRPr lang="en-US"/>
           </a:p>
@@ -3718,6 +3726,216 @@
           <p:cNvPr id="2" name="Title 1">
             <a:extLst>
               <a:ext uri="{FF2B5EF4-FFF2-40B4-BE49-F238E27FC236}">
+                <a16:creationId xmlns:a16="http://schemas.microsoft.com/office/drawing/2014/main" id="{F2B9EF04-9F67-5065-02FF-13D8B5B3C553}"/>
+              </a:ext>
+            </a:extLst>
+          </p:cNvPr>
+          <p:cNvSpPr>
+            <a:spLocks noGrp="1"/>
+          </p:cNvSpPr>
+          <p:nvPr>
+            <p:ph type="title"/>
+          </p:nvPr>
+        </p:nvSpPr>
+        <p:spPr/>
+        <p:txBody>
+          <a:bodyPr/>
+          <a:lstStyle/>
+          <a:p>
+            <a:r>
+              <a:rPr lang="en-US" dirty="0"/>
+              <a:t>Where do Functions Come From?</a:t>
+            </a:r>
+          </a:p>
+        </p:txBody>
+      </p:sp>
+      <p:sp>
+        <p:nvSpPr>
+          <p:cNvPr id="3" name="Content Placeholder 2">
+            <a:extLst>
+              <a:ext uri="{FF2B5EF4-FFF2-40B4-BE49-F238E27FC236}">
+                <a16:creationId xmlns:a16="http://schemas.microsoft.com/office/drawing/2014/main" id="{C76DA65D-C016-E710-389B-4F0BB0346B16}"/>
+              </a:ext>
+            </a:extLst>
+          </p:cNvPr>
+          <p:cNvSpPr>
+            <a:spLocks noGrp="1"/>
+          </p:cNvSpPr>
+          <p:nvPr>
+            <p:ph idx="1"/>
+          </p:nvPr>
+        </p:nvSpPr>
+        <p:spPr>
+          <a:xfrm>
+            <a:off x="1451579" y="1853753"/>
+            <a:ext cx="9603275" cy="4199727"/>
+          </a:xfrm>
+        </p:spPr>
+        <p:txBody>
+          <a:bodyPr>
+            <a:normAutofit lnSpcReduction="10000"/>
+          </a:bodyPr>
+          <a:lstStyle/>
+          <a:p>
+            <a:r>
+              <a:rPr lang="en-US" dirty="0"/>
+              <a:t>The functions we use are all written somewhere:</a:t>
+            </a:r>
+          </a:p>
+          <a:p>
+            <a:pPr lvl="1"/>
+            <a:r>
+              <a:rPr lang="en-US" dirty="0"/>
+              <a:t>The ones we write in our code. </a:t>
+            </a:r>
+          </a:p>
+          <a:p>
+            <a:pPr lvl="1"/>
+            <a:r>
+              <a:rPr lang="en-US" dirty="0"/>
+              <a:t>The methods that are part of an object class (upper for string, sort for a list, </a:t>
+            </a:r>
+            <a:r>
+              <a:rPr lang="en-US" dirty="0" err="1"/>
+              <a:t>etc</a:t>
+            </a:r>
+            <a:r>
+              <a:rPr lang="en-US" dirty="0"/>
+              <a:t>…)</a:t>
+            </a:r>
+          </a:p>
+          <a:p>
+            <a:pPr lvl="1"/>
+            <a:r>
+              <a:rPr lang="en-US" dirty="0"/>
+              <a:t>Methods that are in some other module that we import (</a:t>
+            </a:r>
+            <a:r>
+              <a:rPr lang="en-US" dirty="0" err="1"/>
+              <a:t>math.sqrt</a:t>
+            </a:r>
+            <a:r>
+              <a:rPr lang="en-US" dirty="0"/>
+              <a:t>, </a:t>
+            </a:r>
+            <a:r>
+              <a:rPr lang="en-US" dirty="0" err="1"/>
+              <a:t>random.randint</a:t>
+            </a:r>
+            <a:r>
+              <a:rPr lang="en-US" dirty="0"/>
+              <a:t>(), etc..)</a:t>
+            </a:r>
+          </a:p>
+          <a:p>
+            <a:r>
+              <a:rPr lang="en-US" dirty="0"/>
+              <a:t>Calling the functions can be different:</a:t>
+            </a:r>
+          </a:p>
+          <a:p>
+            <a:pPr lvl="1"/>
+            <a:r>
+              <a:rPr lang="en-US" dirty="0"/>
+              <a:t>Internal methods: OBJECT.FUNCTION()</a:t>
+            </a:r>
+          </a:p>
+          <a:p>
+            <a:pPr lvl="2"/>
+            <a:r>
+              <a:rPr lang="en-US" dirty="0"/>
+              <a:t>We are going inside that object and getting the “function” part of it to run. </a:t>
+            </a:r>
+          </a:p>
+          <a:p>
+            <a:pPr lvl="2"/>
+            <a:r>
+              <a:rPr lang="en-US" dirty="0"/>
+              <a:t>E.g. “some </a:t>
+            </a:r>
+            <a:r>
+              <a:rPr lang="en-US" dirty="0" err="1"/>
+              <a:t>text”.upper</a:t>
+            </a:r>
+            <a:r>
+              <a:rPr lang="en-US" dirty="0"/>
+              <a:t>() gets that upper function as “part of” the “some text” object. </a:t>
+            </a:r>
+          </a:p>
+          <a:p>
+            <a:pPr lvl="1"/>
+            <a:r>
+              <a:rPr lang="en-US" dirty="0"/>
+              <a:t>Outside functions: [</a:t>
+            </a:r>
+            <a:r>
+              <a:rPr lang="en-US" dirty="0" err="1"/>
+              <a:t>library_name</a:t>
+            </a:r>
+            <a:r>
+              <a:rPr lang="en-US" dirty="0"/>
+              <a:t>].FUNCTION(OBJECT)</a:t>
+            </a:r>
+          </a:p>
+          <a:p>
+            <a:pPr lvl="2"/>
+            <a:r>
+              <a:rPr lang="en-US" dirty="0"/>
+              <a:t>We are getting a function from some outside place, then calling it with our data. </a:t>
+            </a:r>
+          </a:p>
+          <a:p>
+            <a:pPr lvl="2"/>
+            <a:r>
+              <a:rPr lang="en-US" dirty="0"/>
+              <a:t>E.g. </a:t>
+            </a:r>
+            <a:r>
+              <a:rPr lang="en-US" dirty="0" err="1"/>
+              <a:t>math.sqrt</a:t>
+            </a:r>
+            <a:r>
+              <a:rPr lang="en-US" dirty="0"/>
+              <a:t>() gets the sqrt function from the math library and runs it. </a:t>
+            </a:r>
+          </a:p>
+        </p:txBody>
+      </p:sp>
+    </p:spTree>
+    <p:extLst>
+      <p:ext uri="{BB962C8B-B14F-4D97-AF65-F5344CB8AC3E}">
+        <p14:creationId xmlns:p14="http://schemas.microsoft.com/office/powerpoint/2010/main" val="3041626548"/>
+      </p:ext>
+    </p:extLst>
+  </p:cSld>
+  <p:clrMapOvr>
+    <a:masterClrMapping/>
+  </p:clrMapOvr>
+</p:sld>
+</file>
+
+<file path=ppt/slides/slide11.xml><?xml version="1.0" encoding="utf-8"?>
+<p:sld xmlns:a="http://schemas.openxmlformats.org/drawingml/2006/main" xmlns:r="http://schemas.openxmlformats.org/officeDocument/2006/relationships" xmlns:p="http://schemas.openxmlformats.org/presentationml/2006/main">
+  <p:cSld>
+    <p:spTree>
+      <p:nvGrpSpPr>
+        <p:cNvPr id="1" name=""/>
+        <p:cNvGrpSpPr/>
+        <p:nvPr/>
+      </p:nvGrpSpPr>
+      <p:grpSpPr>
+        <a:xfrm>
+          <a:off x="0" y="0"/>
+          <a:ext cx="0" cy="0"/>
+          <a:chOff x="0" y="0"/>
+          <a:chExt cx="0" cy="0"/>
+        </a:xfrm>
+      </p:grpSpPr>
+      <p:sp>
+        <p:nvSpPr>
+          <p:cNvPr id="2" name="Title 1">
+            <a:extLst>
+              <a:ext uri="{FF2B5EF4-FFF2-40B4-BE49-F238E27FC236}">
                 <a16:creationId xmlns:a16="http://schemas.microsoft.com/office/drawing/2014/main" id="{D983BE9F-DE7C-B2BE-F730-BCB518978E78}"/>
               </a:ext>
             </a:extLst>
@@ -3857,7 +4075,208 @@
 </p:sld>
 </file>
 
-<file path=ppt/slides/slide11.xml><?xml version="1.0" encoding="utf-8"?>
+<file path=ppt/slides/slide12.xml><?xml version="1.0" encoding="utf-8"?>
+<p:sld xmlns:a="http://schemas.openxmlformats.org/drawingml/2006/main" xmlns:r="http://schemas.openxmlformats.org/officeDocument/2006/relationships" xmlns:p="http://schemas.openxmlformats.org/presentationml/2006/main" show="0">
+  <p:cSld>
+    <p:spTree>
+      <p:nvGrpSpPr>
+        <p:cNvPr id="1" name=""/>
+        <p:cNvGrpSpPr/>
+        <p:nvPr/>
+      </p:nvGrpSpPr>
+      <p:grpSpPr>
+        <a:xfrm>
+          <a:off x="0" y="0"/>
+          <a:ext cx="0" cy="0"/>
+          <a:chOff x="0" y="0"/>
+          <a:chExt cx="0" cy="0"/>
+        </a:xfrm>
+      </p:grpSpPr>
+      <p:sp>
+        <p:nvSpPr>
+          <p:cNvPr id="2" name="Title 1">
+            <a:extLst>
+              <a:ext uri="{FF2B5EF4-FFF2-40B4-BE49-F238E27FC236}">
+                <a16:creationId xmlns:a16="http://schemas.microsoft.com/office/drawing/2014/main" id="{FA74FC27-BE8E-2EA0-23C9-04F1C9DF71F4}"/>
+              </a:ext>
+            </a:extLst>
+          </p:cNvPr>
+          <p:cNvSpPr>
+            <a:spLocks noGrp="1"/>
+          </p:cNvSpPr>
+          <p:nvPr>
+            <p:ph type="title"/>
+          </p:nvPr>
+        </p:nvSpPr>
+        <p:spPr/>
+        <p:txBody>
+          <a:bodyPr/>
+          <a:lstStyle/>
+          <a:p>
+            <a:r>
+              <a:rPr lang="en-US" dirty="0"/>
+              <a:t>Function Targets</a:t>
+            </a:r>
+          </a:p>
+        </p:txBody>
+      </p:sp>
+      <p:sp>
+        <p:nvSpPr>
+          <p:cNvPr id="3" name="Content Placeholder 2">
+            <a:extLst>
+              <a:ext uri="{FF2B5EF4-FFF2-40B4-BE49-F238E27FC236}">
+                <a16:creationId xmlns:a16="http://schemas.microsoft.com/office/drawing/2014/main" id="{E46338B8-0C6A-9695-836A-FD8574BC8966}"/>
+              </a:ext>
+            </a:extLst>
+          </p:cNvPr>
+          <p:cNvSpPr>
+            <a:spLocks noGrp="1"/>
+          </p:cNvSpPr>
+          <p:nvPr>
+            <p:ph idx="1"/>
+          </p:nvPr>
+        </p:nvSpPr>
+        <p:spPr/>
+        <p:txBody>
+          <a:bodyPr/>
+          <a:lstStyle/>
+          <a:p>
+            <a:r>
+              <a:rPr lang="en-US" dirty="0"/>
+              <a:t>type(ARGUMNET)</a:t>
+            </a:r>
+          </a:p>
+        </p:txBody>
+      </p:sp>
+    </p:spTree>
+    <p:extLst>
+      <p:ext uri="{BB962C8B-B14F-4D97-AF65-F5344CB8AC3E}">
+        <p14:creationId xmlns:p14="http://schemas.microsoft.com/office/powerpoint/2010/main" val="1827391264"/>
+      </p:ext>
+    </p:extLst>
+  </p:cSld>
+  <p:clrMapOvr>
+    <a:masterClrMapping/>
+  </p:clrMapOvr>
+</p:sld>
+</file>
+
+<file path=ppt/slides/slide13.xml><?xml version="1.0" encoding="utf-8"?>
+<p:sld xmlns:a="http://schemas.openxmlformats.org/drawingml/2006/main" xmlns:r="http://schemas.openxmlformats.org/officeDocument/2006/relationships" xmlns:p="http://schemas.openxmlformats.org/presentationml/2006/main">
+  <p:cSld>
+    <p:spTree>
+      <p:nvGrpSpPr>
+        <p:cNvPr id="1" name=""/>
+        <p:cNvGrpSpPr/>
+        <p:nvPr/>
+      </p:nvGrpSpPr>
+      <p:grpSpPr>
+        <a:xfrm>
+          <a:off x="0" y="0"/>
+          <a:ext cx="0" cy="0"/>
+          <a:chOff x="0" y="0"/>
+          <a:chExt cx="0" cy="0"/>
+        </a:xfrm>
+      </p:grpSpPr>
+      <p:sp>
+        <p:nvSpPr>
+          <p:cNvPr id="2" name="Title 1">
+            <a:extLst>
+              <a:ext uri="{FF2B5EF4-FFF2-40B4-BE49-F238E27FC236}">
+                <a16:creationId xmlns:a16="http://schemas.microsoft.com/office/drawing/2014/main" id="{AA94BB1C-2403-AF26-8A76-E1E7C1C6C0FE}"/>
+              </a:ext>
+            </a:extLst>
+          </p:cNvPr>
+          <p:cNvSpPr>
+            <a:spLocks noGrp="1"/>
+          </p:cNvSpPr>
+          <p:nvPr>
+            <p:ph type="title"/>
+          </p:nvPr>
+        </p:nvSpPr>
+        <p:spPr/>
+        <p:txBody>
+          <a:bodyPr/>
+          <a:lstStyle/>
+          <a:p>
+            <a:r>
+              <a:rPr lang="en-US" dirty="0"/>
+              <a:t>Why Functions?</a:t>
+            </a:r>
+          </a:p>
+        </p:txBody>
+      </p:sp>
+      <p:sp>
+        <p:nvSpPr>
+          <p:cNvPr id="3" name="Content Placeholder 2">
+            <a:extLst>
+              <a:ext uri="{FF2B5EF4-FFF2-40B4-BE49-F238E27FC236}">
+                <a16:creationId xmlns:a16="http://schemas.microsoft.com/office/drawing/2014/main" id="{D066BA38-8DF4-B2F1-17E5-9EF203F79E3C}"/>
+              </a:ext>
+            </a:extLst>
+          </p:cNvPr>
+          <p:cNvSpPr>
+            <a:spLocks noGrp="1"/>
+          </p:cNvSpPr>
+          <p:nvPr>
+            <p:ph idx="1"/>
+          </p:nvPr>
+        </p:nvSpPr>
+        <p:spPr>
+          <a:xfrm>
+            <a:off x="1143001" y="1928191"/>
+            <a:ext cx="10217426" cy="4125289"/>
+          </a:xfrm>
+        </p:spPr>
+        <p:txBody>
+          <a:bodyPr/>
+          <a:lstStyle/>
+          <a:p>
+            <a:r>
+              <a:rPr lang="en-US" dirty="0"/>
+              <a:t>Reusability – we can write code to do Task X once and reuse it anywhere. </a:t>
+            </a:r>
+          </a:p>
+          <a:p>
+            <a:r>
+              <a:rPr lang="en-US" dirty="0"/>
+              <a:t>Testability – we can test a function by providing inputs/outputs, and trust it works after that. </a:t>
+            </a:r>
+          </a:p>
+          <a:p>
+            <a:r>
+              <a:rPr lang="en-US" dirty="0"/>
+              <a:t>Modularity/Upgradability – we can swap out one function for another one easily. </a:t>
+            </a:r>
+          </a:p>
+          <a:p>
+            <a:r>
+              <a:rPr lang="en-US" dirty="0"/>
+              <a:t>Divisibility – it is easy to assign a function to one developer to write. </a:t>
+            </a:r>
+          </a:p>
+          <a:p>
+            <a:r>
+              <a:rPr lang="en-US" dirty="0"/>
+              <a:t>Readability – our code is cleaner, as most of the details are abstracted away in functions. </a:t>
+            </a:r>
+          </a:p>
+        </p:txBody>
+      </p:sp>
+    </p:spTree>
+    <p:extLst>
+      <p:ext uri="{BB962C8B-B14F-4D97-AF65-F5344CB8AC3E}">
+        <p14:creationId xmlns:p14="http://schemas.microsoft.com/office/powerpoint/2010/main" val="2772126972"/>
+      </p:ext>
+    </p:extLst>
+  </p:cSld>
+  <p:clrMapOvr>
+    <a:masterClrMapping/>
+  </p:clrMapOvr>
+</p:sld>
+</file>
+
+<file path=ppt/slides/slide14.xml><?xml version="1.0" encoding="utf-8"?>
 <p:sld xmlns:a="http://schemas.openxmlformats.org/drawingml/2006/main" xmlns:r="http://schemas.openxmlformats.org/officeDocument/2006/relationships" xmlns:p="http://schemas.openxmlformats.org/presentationml/2006/main">
   <p:cSld>
     <p:spTree>

--- a/reference_material/slides/004_functions.pptx
+++ b/reference_material/slides/004_functions.pptx
@@ -5,20 +5,23 @@
     <p:sldMasterId id="2147483660" r:id="rId1"/>
   </p:sldMasterIdLst>
   <p:sldIdLst>
-    <p:sldId id="256" r:id="rId2"/>
-    <p:sldId id="257" r:id="rId3"/>
-    <p:sldId id="262" r:id="rId4"/>
-    <p:sldId id="259" r:id="rId5"/>
-    <p:sldId id="258" r:id="rId6"/>
-    <p:sldId id="263" r:id="rId7"/>
-    <p:sldId id="267" r:id="rId8"/>
-    <p:sldId id="266" r:id="rId9"/>
-    <p:sldId id="265" r:id="rId10"/>
-    <p:sldId id="269" r:id="rId11"/>
-    <p:sldId id="260" r:id="rId12"/>
-    <p:sldId id="268" r:id="rId13"/>
-    <p:sldId id="270" r:id="rId14"/>
-    <p:sldId id="261" r:id="rId15"/>
+    <p:sldId id="271" r:id="rId2"/>
+    <p:sldId id="256" r:id="rId3"/>
+    <p:sldId id="257" r:id="rId4"/>
+    <p:sldId id="262" r:id="rId5"/>
+    <p:sldId id="272" r:id="rId6"/>
+    <p:sldId id="259" r:id="rId7"/>
+    <p:sldId id="258" r:id="rId8"/>
+    <p:sldId id="263" r:id="rId9"/>
+    <p:sldId id="267" r:id="rId10"/>
+    <p:sldId id="273" r:id="rId11"/>
+    <p:sldId id="266" r:id="rId12"/>
+    <p:sldId id="265" r:id="rId13"/>
+    <p:sldId id="269" r:id="rId14"/>
+    <p:sldId id="260" r:id="rId15"/>
+    <p:sldId id="268" r:id="rId16"/>
+    <p:sldId id="270" r:id="rId17"/>
+    <p:sldId id="261" r:id="rId18"/>
   </p:sldIdLst>
   <p:sldSz cx="12192000" cy="6858000"/>
   <p:notesSz cx="6858000" cy="9144000"/>
@@ -3643,7 +3646,7 @@
           <p:cNvPr id="2" name="Title 1">
             <a:extLst>
               <a:ext uri="{FF2B5EF4-FFF2-40B4-BE49-F238E27FC236}">
-                <a16:creationId xmlns:a16="http://schemas.microsoft.com/office/drawing/2014/main" id="{64FC729C-2200-28CD-9B24-611CB5925410}"/>
+                <a16:creationId xmlns:a16="http://schemas.microsoft.com/office/drawing/2014/main" id="{BDB9561F-04B6-F3E3-C2EE-F06260273CBF}"/>
               </a:ext>
             </a:extLst>
           </p:cNvPr>
@@ -3651,7 +3654,7 @@
             <a:spLocks noGrp="1"/>
           </p:cNvSpPr>
           <p:nvPr>
-            <p:ph type="ctrTitle"/>
+            <p:ph type="title"/>
           </p:nvPr>
         </p:nvSpPr>
         <p:spPr/>
@@ -3661,17 +3664,17 @@
           <a:p>
             <a:r>
               <a:rPr lang="en-US" dirty="0"/>
-              <a:t>Functions</a:t>
-            </a:r>
-          </a:p>
-        </p:txBody>
-      </p:sp>
-      <p:sp>
-        <p:nvSpPr>
-          <p:cNvPr id="3" name="Subtitle 2">
+              <a:t>Housekeeping</a:t>
+            </a:r>
+          </a:p>
+        </p:txBody>
+      </p:sp>
+      <p:sp>
+        <p:nvSpPr>
+          <p:cNvPr id="3" name="Content Placeholder 2">
             <a:extLst>
               <a:ext uri="{FF2B5EF4-FFF2-40B4-BE49-F238E27FC236}">
-                <a16:creationId xmlns:a16="http://schemas.microsoft.com/office/drawing/2014/main" id="{6EC5F516-9A7A-E4D2-E4DE-1562F9BEF372}"/>
+                <a16:creationId xmlns:a16="http://schemas.microsoft.com/office/drawing/2014/main" id="{33EE9D97-D0AB-1E5B-75CC-31C801BE0E89}"/>
               </a:ext>
             </a:extLst>
           </p:cNvPr>
@@ -3679,14 +3682,58 @@
             <a:spLocks noGrp="1"/>
           </p:cNvSpPr>
           <p:nvPr>
-            <p:ph type="subTitle" idx="1"/>
-          </p:nvPr>
-        </p:nvSpPr>
-        <p:spPr/>
-        <p:txBody>
-          <a:bodyPr/>
-          <a:lstStyle/>
-          <a:p>
+            <p:ph idx="1"/>
+          </p:nvPr>
+        </p:nvSpPr>
+        <p:spPr>
+          <a:xfrm>
+            <a:off x="1451579" y="1853754"/>
+            <a:ext cx="9603275" cy="4199727"/>
+          </a:xfrm>
+        </p:spPr>
+        <p:txBody>
+          <a:bodyPr/>
+          <a:lstStyle/>
+          <a:p>
+            <a:r>
+              <a:rPr lang="en-US" dirty="0"/>
+              <a:t>Lab/GitHub:</a:t>
+            </a:r>
+          </a:p>
+          <a:p>
+            <a:pPr lvl="1"/>
+            <a:r>
+              <a:rPr lang="en-US" dirty="0"/>
+              <a:t>Pull/sync to get updates I made (correction to test harness from end of last class). </a:t>
+            </a:r>
+          </a:p>
+          <a:p>
+            <a:pPr lvl="1"/>
+            <a:r>
+              <a:rPr lang="en-US" dirty="0"/>
+              <a:t>Up to Lab 2 is updated and (hopefully</a:t>
+            </a:r>
+            <a:r>
+              <a:rPr lang="en-US"/>
+              <a:t>) working ok. </a:t>
+            </a:r>
+            <a:endParaRPr lang="en-US" dirty="0"/>
+          </a:p>
+          <a:p>
+            <a:r>
+              <a:rPr lang="en-US" dirty="0"/>
+              <a:t>Today – Functions (P4E ch4, TP ch3):</a:t>
+            </a:r>
+          </a:p>
+          <a:p>
+            <a:pPr lvl="1"/>
+            <a:r>
+              <a:rPr lang="en-US" dirty="0"/>
+              <a:t>Intro to functions.</a:t>
+            </a:r>
+          </a:p>
+          <a:p>
+            <a:pPr lvl="1"/>
             <a:endParaRPr lang="en-US" dirty="0"/>
           </a:p>
         </p:txBody>
@@ -3694,7 +3741,7 @@
     </p:spTree>
     <p:extLst>
       <p:ext uri="{BB962C8B-B14F-4D97-AF65-F5344CB8AC3E}">
-        <p14:creationId xmlns:p14="http://schemas.microsoft.com/office/powerpoint/2010/main" val="3767398727"/>
+        <p14:creationId xmlns:p14="http://schemas.microsoft.com/office/powerpoint/2010/main" val="660516411"/>
       </p:ext>
     </p:extLst>
   </p:cSld>
@@ -3707,6 +3754,30 @@
 <file path=ppt/slides/slide10.xml><?xml version="1.0" encoding="utf-8"?>
 <p:sld xmlns:a="http://schemas.openxmlformats.org/drawingml/2006/main" xmlns:r="http://schemas.openxmlformats.org/officeDocument/2006/relationships" xmlns:p="http://schemas.openxmlformats.org/presentationml/2006/main">
   <p:cSld>
+    <p:bg>
+      <p:bgPr>
+        <a:gradFill rotWithShape="1">
+          <a:gsLst>
+            <a:gs pos="0">
+              <a:schemeClr val="bg2">
+                <a:tint val="94000"/>
+                <a:satMod val="80000"/>
+                <a:lumMod val="106000"/>
+              </a:schemeClr>
+            </a:gs>
+            <a:gs pos="100000">
+              <a:schemeClr val="bg2">
+                <a:shade val="80000"/>
+              </a:schemeClr>
+            </a:gs>
+          </a:gsLst>
+          <a:path path="circle">
+            <a:fillToRect l="43000" r="43000" b="100000"/>
+          </a:path>
+        </a:gradFill>
+        <a:effectLst/>
+      </p:bgPr>
+    </p:bg>
     <p:spTree>
       <p:nvGrpSpPr>
         <p:cNvPr id="1" name=""/>
@@ -3726,7 +3797,7 @@
           <p:cNvPr id="2" name="Title 1">
             <a:extLst>
               <a:ext uri="{FF2B5EF4-FFF2-40B4-BE49-F238E27FC236}">
-                <a16:creationId xmlns:a16="http://schemas.microsoft.com/office/drawing/2014/main" id="{F2B9EF04-9F67-5065-02FF-13D8B5B3C553}"/>
+                <a16:creationId xmlns:a16="http://schemas.microsoft.com/office/drawing/2014/main" id="{C7CF9BA2-77A1-05C0-C3E2-0E2504208E67}"/>
               </a:ext>
             </a:extLst>
           </p:cNvPr>
@@ -3737,14 +3808,21 @@
             <p:ph type="title"/>
           </p:nvPr>
         </p:nvSpPr>
-        <p:spPr/>
-        <p:txBody>
-          <a:bodyPr/>
-          <a:lstStyle/>
-          <a:p>
-            <a:r>
-              <a:rPr lang="en-US" dirty="0"/>
-              <a:t>Where do Functions Come From?</a:t>
+        <p:spPr>
+          <a:xfrm>
+            <a:off x="1451579" y="804519"/>
+            <a:ext cx="9603275" cy="1049235"/>
+          </a:xfrm>
+        </p:spPr>
+        <p:txBody>
+          <a:bodyPr>
+            <a:normAutofit/>
+          </a:bodyPr>
+          <a:lstStyle/>
+          <a:p>
+            <a:r>
+              <a:rPr lang="en-US" dirty="0"/>
+              <a:t>Parameters vs Arguments</a:t>
             </a:r>
           </a:p>
         </p:txBody>
@@ -3754,7 +3832,7 @@
           <p:cNvPr id="3" name="Content Placeholder 2">
             <a:extLst>
               <a:ext uri="{FF2B5EF4-FFF2-40B4-BE49-F238E27FC236}">
-                <a16:creationId xmlns:a16="http://schemas.microsoft.com/office/drawing/2014/main" id="{C76DA65D-C016-E710-389B-4F0BB0346B16}"/>
+                <a16:creationId xmlns:a16="http://schemas.microsoft.com/office/drawing/2014/main" id="{85323D49-0A3F-37D1-FB1F-B92CDAF4333A}"/>
               </a:ext>
             </a:extLst>
           </p:cNvPr>
@@ -3767,144 +3845,106 @@
         </p:nvSpPr>
         <p:spPr>
           <a:xfrm>
-            <a:off x="1451579" y="1853753"/>
-            <a:ext cx="9603275" cy="4199727"/>
+            <a:off x="558951" y="2241774"/>
+            <a:ext cx="5537049" cy="3450613"/>
           </a:xfrm>
         </p:spPr>
         <p:txBody>
           <a:bodyPr>
-            <a:normAutofit lnSpcReduction="10000"/>
+            <a:normAutofit/>
           </a:bodyPr>
           <a:lstStyle/>
           <a:p>
             <a:r>
               <a:rPr lang="en-US" dirty="0"/>
-              <a:t>The functions we use are all written somewhere:</a:t>
+              <a:t>We often call the inputs to functions either parameters or arguments. </a:t>
             </a:r>
           </a:p>
           <a:p>
             <a:pPr lvl="1"/>
             <a:r>
               <a:rPr lang="en-US" dirty="0"/>
-              <a:t>The ones we write in our code. </a:t>
+              <a:t>Often used interchangeably. </a:t>
+            </a:r>
+          </a:p>
+          <a:p>
+            <a:r>
+              <a:rPr lang="en-US" dirty="0"/>
+              <a:t>Parameters:</a:t>
             </a:r>
           </a:p>
           <a:p>
             <a:pPr lvl="1"/>
             <a:r>
               <a:rPr lang="en-US" dirty="0"/>
-              <a:t>The methods that are part of an object class (upper for string, sort for a list, </a:t>
-            </a:r>
-            <a:r>
-              <a:rPr lang="en-US" dirty="0" err="1"/>
-              <a:t>etc</a:t>
-            </a:r>
-            <a:r>
-              <a:rPr lang="en-US" dirty="0"/>
-              <a:t>…)</a:t>
+              <a:t>The variable in the function definition. </a:t>
+            </a:r>
+          </a:p>
+          <a:p>
+            <a:r>
+              <a:rPr lang="en-US" dirty="0"/>
+              <a:t>Arguments:</a:t>
             </a:r>
           </a:p>
           <a:p>
             <a:pPr lvl="1"/>
             <a:r>
               <a:rPr lang="en-US" dirty="0"/>
-              <a:t>Methods that are in some other module that we import (</a:t>
-            </a:r>
-            <a:r>
-              <a:rPr lang="en-US" dirty="0" err="1"/>
-              <a:t>math.sqrt</a:t>
-            </a:r>
-            <a:r>
-              <a:rPr lang="en-US" dirty="0"/>
-              <a:t>, </a:t>
-            </a:r>
-            <a:r>
-              <a:rPr lang="en-US" dirty="0" err="1"/>
-              <a:t>random.randint</a:t>
-            </a:r>
-            <a:r>
-              <a:rPr lang="en-US" dirty="0"/>
-              <a:t>(), etc..)</a:t>
-            </a:r>
-          </a:p>
-          <a:p>
-            <a:r>
-              <a:rPr lang="en-US" dirty="0"/>
-              <a:t>Calling the functions can be different:</a:t>
-            </a:r>
-          </a:p>
-          <a:p>
-            <a:pPr lvl="1"/>
-            <a:r>
-              <a:rPr lang="en-US" dirty="0"/>
-              <a:t>Internal methods: OBJECT.FUNCTION()</a:t>
-            </a:r>
-          </a:p>
-          <a:p>
-            <a:pPr lvl="2"/>
-            <a:r>
-              <a:rPr lang="en-US" dirty="0"/>
-              <a:t>We are going inside that object and getting the “function” part of it to run. </a:t>
-            </a:r>
-          </a:p>
-          <a:p>
-            <a:pPr lvl="2"/>
-            <a:r>
-              <a:rPr lang="en-US" dirty="0"/>
-              <a:t>E.g. “some </a:t>
-            </a:r>
-            <a:r>
-              <a:rPr lang="en-US" dirty="0" err="1"/>
-              <a:t>text”.upper</a:t>
-            </a:r>
-            <a:r>
-              <a:rPr lang="en-US" dirty="0"/>
-              <a:t>() gets that upper function as “part of” the “some text” object. </a:t>
-            </a:r>
-          </a:p>
-          <a:p>
-            <a:pPr lvl="1"/>
-            <a:r>
-              <a:rPr lang="en-US" dirty="0"/>
-              <a:t>Outside functions: [</a:t>
-            </a:r>
-            <a:r>
-              <a:rPr lang="en-US" dirty="0" err="1"/>
-              <a:t>library_name</a:t>
-            </a:r>
-            <a:r>
-              <a:rPr lang="en-US" dirty="0"/>
-              <a:t>].FUNCTION(OBJECT)</a:t>
-            </a:r>
-          </a:p>
-          <a:p>
-            <a:pPr lvl="2"/>
-            <a:r>
-              <a:rPr lang="en-US" dirty="0"/>
-              <a:t>We are getting a function from some outside place, then calling it with our data. </a:t>
-            </a:r>
-          </a:p>
-          <a:p>
-            <a:pPr lvl="2"/>
-            <a:r>
-              <a:rPr lang="en-US" dirty="0"/>
-              <a:t>E.g. </a:t>
-            </a:r>
-            <a:r>
-              <a:rPr lang="en-US" dirty="0" err="1"/>
-              <a:t>math.sqrt</a:t>
-            </a:r>
-            <a:r>
-              <a:rPr lang="en-US" dirty="0"/>
-              <a:t>() gets the sqrt function from the math library and runs it. </a:t>
-            </a:r>
-          </a:p>
-        </p:txBody>
-      </p:sp>
+              <a:t>The values provided when the function is called. </a:t>
+            </a:r>
+          </a:p>
+        </p:txBody>
+      </p:sp>
+      <p:pic>
+        <p:nvPicPr>
+          <p:cNvPr id="2050" name="Picture 2" descr="language agnostic - What's the difference between an argument and a  parameter? - Stack Overflow">
+            <a:extLst>
+              <a:ext uri="{FF2B5EF4-FFF2-40B4-BE49-F238E27FC236}">
+                <a16:creationId xmlns:a16="http://schemas.microsoft.com/office/drawing/2014/main" id="{B8413CE5-679D-F96F-7A6F-91023407402C}"/>
+              </a:ext>
+            </a:extLst>
+          </p:cNvPr>
+          <p:cNvPicPr>
+            <a:picLocks noChangeAspect="1" noChangeArrowheads="1"/>
+          </p:cNvPicPr>
+          <p:nvPr/>
+        </p:nvPicPr>
+        <p:blipFill>
+          <a:blip r:embed="rId2">
+            <a:extLst>
+              <a:ext uri="{28A0092B-C50C-407E-A947-70E740481C1C}">
+                <a14:useLocalDpi xmlns:a14="http://schemas.microsoft.com/office/drawing/2010/main" val="0"/>
+              </a:ext>
+            </a:extLst>
+          </a:blip>
+          <a:stretch>
+            <a:fillRect/>
+          </a:stretch>
+        </p:blipFill>
+        <p:spPr bwMode="auto">
+          <a:xfrm>
+            <a:off x="6087556" y="2439894"/>
+            <a:ext cx="6067744" cy="2760823"/>
+          </a:xfrm>
+          <a:prstGeom prst="rect">
+            <a:avLst/>
+          </a:prstGeom>
+          <a:noFill/>
+          <a:extLst>
+            <a:ext uri="{909E8E84-426E-40DD-AFC4-6F175D3DCCD1}">
+              <a14:hiddenFill xmlns:a14="http://schemas.microsoft.com/office/drawing/2010/main">
+                <a:solidFill>
+                  <a:srgbClr val="FFFFFF"/>
+                </a:solidFill>
+              </a14:hiddenFill>
+            </a:ext>
+          </a:extLst>
+        </p:spPr>
+      </p:pic>
     </p:spTree>
     <p:extLst>
       <p:ext uri="{BB962C8B-B14F-4D97-AF65-F5344CB8AC3E}">
-        <p14:creationId xmlns:p14="http://schemas.microsoft.com/office/powerpoint/2010/main" val="3041626548"/>
+        <p14:creationId xmlns:p14="http://schemas.microsoft.com/office/powerpoint/2010/main" val="341431594"/>
       </p:ext>
     </p:extLst>
   </p:cSld>
@@ -3936,7 +3976,7 @@
           <p:cNvPr id="2" name="Title 1">
             <a:extLst>
               <a:ext uri="{FF2B5EF4-FFF2-40B4-BE49-F238E27FC236}">
-                <a16:creationId xmlns:a16="http://schemas.microsoft.com/office/drawing/2014/main" id="{D983BE9F-DE7C-B2BE-F730-BCB518978E78}"/>
+                <a16:creationId xmlns:a16="http://schemas.microsoft.com/office/drawing/2014/main" id="{FF802690-A9BF-B948-6ECD-0DA6D9934399}"/>
               </a:ext>
             </a:extLst>
           </p:cNvPr>
@@ -3954,7 +3994,7 @@
           <a:p>
             <a:r>
               <a:rPr lang="en-US" dirty="0"/>
-              <a:t>Function “Targets”</a:t>
+              <a:t>Variable Scope</a:t>
             </a:r>
           </a:p>
         </p:txBody>
@@ -3964,7 +4004,7 @@
           <p:cNvPr id="3" name="Content Placeholder 2">
             <a:extLst>
               <a:ext uri="{FF2B5EF4-FFF2-40B4-BE49-F238E27FC236}">
-                <a16:creationId xmlns:a16="http://schemas.microsoft.com/office/drawing/2014/main" id="{4087B7FD-F796-F52E-3AEC-751BA0021404}"/>
+                <a16:creationId xmlns:a16="http://schemas.microsoft.com/office/drawing/2014/main" id="{C37068FF-6514-C0E7-71F0-466051E79FFF}"/>
               </a:ext>
             </a:extLst>
           </p:cNvPr>
@@ -3977,8 +4017,8 @@
         </p:nvSpPr>
         <p:spPr>
           <a:xfrm>
-            <a:off x="894522" y="1928191"/>
-            <a:ext cx="10853529" cy="4125289"/>
+            <a:off x="1451579" y="1853754"/>
+            <a:ext cx="9603275" cy="4199727"/>
           </a:xfrm>
         </p:spPr>
         <p:txBody>
@@ -3989,83 +4029,121 @@
           <a:p>
             <a:r>
               <a:rPr lang="en-US" dirty="0"/>
-              <a:t>Some functions are “targeted” at different things:</a:t>
+              <a:t>Functions introduce us to variable scope. </a:t>
+            </a:r>
+          </a:p>
+          <a:p>
+            <a:r>
+              <a:rPr lang="en-US" dirty="0"/>
+              <a:t>The scope of a variable refers to where is is available. </a:t>
+            </a:r>
+          </a:p>
+          <a:p>
+            <a:r>
+              <a:rPr lang="en-US" dirty="0"/>
+              <a:t>We have 3 potential scopes:</a:t>
             </a:r>
           </a:p>
           <a:p>
             <a:pPr lvl="1"/>
             <a:r>
               <a:rPr lang="en-US" dirty="0"/>
-              <a:t>Targeted at ”themselves” – functions that act primarily on their own object. </a:t>
+              <a:t>Global – available everywhere in the program. </a:t>
             </a:r>
           </a:p>
           <a:p>
             <a:pPr lvl="1"/>
             <a:r>
               <a:rPr lang="en-US" dirty="0"/>
-              <a:t>Targeted at arguments – functions that act primarily on their arguments. E.g. print(), </a:t>
-            </a:r>
-            <a:r>
-              <a:rPr lang="en-US" dirty="0" err="1"/>
-              <a:t>len</a:t>
-            </a:r>
-            <a:r>
-              <a:rPr lang="en-US" dirty="0"/>
-              <a:t>(), etc..</a:t>
-            </a:r>
-          </a:p>
-          <a:p>
-            <a:r>
-              <a:rPr lang="en-US" dirty="0"/>
-              <a:t>This isn’t a super critical distinction to focus on, it’s something I found ambiguous when I learned. </a:t>
-            </a:r>
-          </a:p>
-          <a:p>
-            <a:r>
-              <a:rPr lang="en-US" dirty="0"/>
-              <a:t>This will make more sense in a week or so when we do classes. </a:t>
-            </a:r>
-          </a:p>
-          <a:p>
-            <a:r>
-              <a:rPr lang="en-US" dirty="0"/>
-              <a:t>As we get into creating classes and DS, the “themselves” ones will be more visible:</a:t>
+              <a:t>Enclosed – nested inside other functions. </a:t>
             </a:r>
           </a:p>
           <a:p>
             <a:pPr lvl="1"/>
             <a:r>
               <a:rPr lang="en-US" dirty="0"/>
-              <a:t>We will write functions inside of classes to “do stuff” to those objects. </a:t>
-            </a:r>
-            <a:r>
-              <a:rPr lang="en-US" dirty="0" err="1"/>
-              <a:t>Eg</a:t>
-            </a:r>
-            <a:r>
-              <a:rPr lang="en-US" dirty="0"/>
-              <a:t> ”sort”, “train”. </a:t>
-            </a:r>
-          </a:p>
-          <a:p>
-            <a:r>
-              <a:rPr lang="en-US" dirty="0"/>
-              <a:t>For now many/most of what we’ll see are the “arguments” ones, especially with basic data types. </a:t>
+              <a:t>Local – available inside a function. </a:t>
+            </a:r>
+          </a:p>
+          <a:p>
+            <a:r>
+              <a:rPr lang="en-US" dirty="0"/>
+              <a:t>Python will resolve, or look for a match, from the bottom up. </a:t>
             </a:r>
           </a:p>
           <a:p>
             <a:pPr lvl="1"/>
             <a:r>
               <a:rPr lang="en-US" dirty="0"/>
-              <a:t>We sometimes call many of these “utility” functions – things like print that act as utilities that we can reuse all over the place, in all sorts of applications. </a:t>
-            </a:r>
-          </a:p>
-        </p:txBody>
-      </p:sp>
+              <a:t>Careful on reusing variable names for scopes that can overlap. </a:t>
+            </a:r>
+          </a:p>
+          <a:p>
+            <a:r>
+              <a:rPr lang="en-US" dirty="0"/>
+              <a:t>Each separate function has its own independent scope. </a:t>
+            </a:r>
+          </a:p>
+          <a:p>
+            <a:pPr lvl="1"/>
+            <a:r>
+              <a:rPr lang="en-US" dirty="0"/>
+              <a:t>We commonly reuse variable names from function to function, especially generic ones. </a:t>
+            </a:r>
+          </a:p>
+        </p:txBody>
+      </p:sp>
+      <p:pic>
+        <p:nvPicPr>
+          <p:cNvPr id="3074" name="Picture 2" descr="Python Variable Scope with Local &amp; Non-local Examples | DataCamp">
+            <a:extLst>
+              <a:ext uri="{FF2B5EF4-FFF2-40B4-BE49-F238E27FC236}">
+                <a16:creationId xmlns:a16="http://schemas.microsoft.com/office/drawing/2014/main" id="{F0626467-1DF9-77C5-D102-CCBAFB4043A5}"/>
+              </a:ext>
+            </a:extLst>
+          </p:cNvPr>
+          <p:cNvPicPr>
+            <a:picLocks noChangeAspect="1" noChangeArrowheads="1"/>
+          </p:cNvPicPr>
+          <p:nvPr/>
+        </p:nvPicPr>
+        <p:blipFill>
+          <a:blip r:embed="rId2">
+            <a:extLst>
+              <a:ext uri="{28A0092B-C50C-407E-A947-70E740481C1C}">
+                <a14:useLocalDpi xmlns:a14="http://schemas.microsoft.com/office/drawing/2010/main" val="0"/>
+              </a:ext>
+            </a:extLst>
+          </a:blip>
+          <a:srcRect/>
+          <a:stretch>
+            <a:fillRect/>
+          </a:stretch>
+        </p:blipFill>
+        <p:spPr bwMode="auto">
+          <a:xfrm>
+            <a:off x="8340811" y="1836004"/>
+            <a:ext cx="3851189" cy="3386724"/>
+          </a:xfrm>
+          <a:prstGeom prst="rect">
+            <a:avLst/>
+          </a:prstGeom>
+          <a:noFill/>
+          <a:extLst>
+            <a:ext uri="{909E8E84-426E-40DD-AFC4-6F175D3DCCD1}">
+              <a14:hiddenFill xmlns:a14="http://schemas.microsoft.com/office/drawing/2010/main">
+                <a:solidFill>
+                  <a:srgbClr val="FFFFFF"/>
+                </a:solidFill>
+              </a14:hiddenFill>
+            </a:ext>
+          </a:extLst>
+        </p:spPr>
+      </p:pic>
     </p:spTree>
     <p:extLst>
       <p:ext uri="{BB962C8B-B14F-4D97-AF65-F5344CB8AC3E}">
-        <p14:creationId xmlns:p14="http://schemas.microsoft.com/office/powerpoint/2010/main" val="114410303"/>
+        <p14:creationId xmlns:p14="http://schemas.microsoft.com/office/powerpoint/2010/main" val="3893778997"/>
       </p:ext>
     </p:extLst>
   </p:cSld>
@@ -4076,7 +4154,7 @@
 </file>
 
 <file path=ppt/slides/slide12.xml><?xml version="1.0" encoding="utf-8"?>
-<p:sld xmlns:a="http://schemas.openxmlformats.org/drawingml/2006/main" xmlns:r="http://schemas.openxmlformats.org/officeDocument/2006/relationships" xmlns:p="http://schemas.openxmlformats.org/presentationml/2006/main" show="0">
+<p:sld xmlns:a="http://schemas.openxmlformats.org/drawingml/2006/main" xmlns:r="http://schemas.openxmlformats.org/officeDocument/2006/relationships" xmlns:p="http://schemas.openxmlformats.org/presentationml/2006/main">
   <p:cSld>
     <p:spTree>
       <p:nvGrpSpPr>
@@ -4097,7 +4175,7 @@
           <p:cNvPr id="2" name="Title 1">
             <a:extLst>
               <a:ext uri="{FF2B5EF4-FFF2-40B4-BE49-F238E27FC236}">
-                <a16:creationId xmlns:a16="http://schemas.microsoft.com/office/drawing/2014/main" id="{FA74FC27-BE8E-2EA0-23C9-04F1C9DF71F4}"/>
+                <a16:creationId xmlns:a16="http://schemas.microsoft.com/office/drawing/2014/main" id="{A6088745-210F-783A-B27A-45B8DA103170}"/>
               </a:ext>
             </a:extLst>
           </p:cNvPr>
@@ -4115,7 +4193,7 @@
           <a:p>
             <a:r>
               <a:rPr lang="en-US" dirty="0"/>
-              <a:t>Function Targets</a:t>
+              <a:t>Fruitful vs. Void Functions</a:t>
             </a:r>
           </a:p>
         </p:txBody>
@@ -4125,7 +4203,7 @@
           <p:cNvPr id="3" name="Content Placeholder 2">
             <a:extLst>
               <a:ext uri="{FF2B5EF4-FFF2-40B4-BE49-F238E27FC236}">
-                <a16:creationId xmlns:a16="http://schemas.microsoft.com/office/drawing/2014/main" id="{E46338B8-0C6A-9695-836A-FD8574BC8966}"/>
+                <a16:creationId xmlns:a16="http://schemas.microsoft.com/office/drawing/2014/main" id="{7855636E-D2EF-3E20-4F05-8409F34522DA}"/>
               </a:ext>
             </a:extLst>
           </p:cNvPr>
@@ -4136,14 +4214,88 @@
             <p:ph idx="1"/>
           </p:nvPr>
         </p:nvSpPr>
-        <p:spPr/>
-        <p:txBody>
-          <a:bodyPr/>
-          <a:lstStyle/>
-          <a:p>
-            <a:r>
-              <a:rPr lang="en-US" dirty="0"/>
-              <a:t>type(ARGUMNET)</a:t>
+        <p:spPr>
+          <a:xfrm>
+            <a:off x="1451579" y="1853754"/>
+            <a:ext cx="9603275" cy="4199727"/>
+          </a:xfrm>
+        </p:spPr>
+        <p:txBody>
+          <a:bodyPr>
+            <a:normAutofit lnSpcReduction="10000"/>
+          </a:bodyPr>
+          <a:lstStyle/>
+          <a:p>
+            <a:r>
+              <a:rPr lang="en-US" dirty="0"/>
+              <a:t>One key distinction in types of functions is what they return. </a:t>
+            </a:r>
+          </a:p>
+          <a:p>
+            <a:r>
+              <a:rPr lang="en-US" dirty="0"/>
+              <a:t>”Fruitful” functions return some value. </a:t>
+            </a:r>
+          </a:p>
+          <a:p>
+            <a:pPr lvl="1"/>
+            <a:r>
+              <a:rPr lang="en-US" dirty="0"/>
+              <a:t>E.g. a = </a:t>
+            </a:r>
+            <a:r>
+              <a:rPr lang="en-US" dirty="0" err="1"/>
+              <a:t>math.sqrt</a:t>
+            </a:r>
+            <a:r>
+              <a:rPr lang="en-US" dirty="0"/>
+              <a:t>(9)</a:t>
+            </a:r>
+          </a:p>
+          <a:p>
+            <a:pPr lvl="1"/>
+            <a:r>
+              <a:rPr lang="en-US" dirty="0"/>
+              <a:t>We normally set some variable to the result of the function. </a:t>
+            </a:r>
+          </a:p>
+          <a:p>
+            <a:pPr lvl="1"/>
+            <a:r>
+              <a:rPr lang="en-US" dirty="0"/>
+              <a:t>When doing something like checking a condition of a loop, this is common. </a:t>
+            </a:r>
+          </a:p>
+          <a:p>
+            <a:r>
+              <a:rPr lang="en-US" dirty="0"/>
+              <a:t>Void functions do some action, but don’t return the result.</a:t>
+            </a:r>
+          </a:p>
+          <a:p>
+            <a:pPr lvl="1"/>
+            <a:r>
+              <a:rPr lang="en-US" dirty="0"/>
+              <a:t>E.g. print(“hello”)</a:t>
+            </a:r>
+          </a:p>
+          <a:p>
+            <a:r>
+              <a:rPr lang="en-US" dirty="0"/>
+              <a:t>We can also return other useful info like status, if needed. Common in ML model training. </a:t>
+            </a:r>
+          </a:p>
+          <a:p>
+            <a:r>
+              <a:rPr lang="en-US" dirty="0"/>
+              <a:t>Returns with multiple values are ok, this is a common tuple use:</a:t>
+            </a:r>
+          </a:p>
+          <a:p>
+            <a:pPr lvl="1"/>
+            <a:r>
+              <a:rPr lang="en-US" dirty="0"/>
+              <a:t>Return (result, status)</a:t>
             </a:r>
           </a:p>
         </p:txBody>
@@ -4151,7 +4303,7 @@
     </p:spTree>
     <p:extLst>
       <p:ext uri="{BB962C8B-B14F-4D97-AF65-F5344CB8AC3E}">
-        <p14:creationId xmlns:p14="http://schemas.microsoft.com/office/powerpoint/2010/main" val="1827391264"/>
+        <p14:creationId xmlns:p14="http://schemas.microsoft.com/office/powerpoint/2010/main" val="585481035"/>
       </p:ext>
     </p:extLst>
   </p:cSld>
@@ -4183,6 +4335,463 @@
           <p:cNvPr id="2" name="Title 1">
             <a:extLst>
               <a:ext uri="{FF2B5EF4-FFF2-40B4-BE49-F238E27FC236}">
+                <a16:creationId xmlns:a16="http://schemas.microsoft.com/office/drawing/2014/main" id="{F2B9EF04-9F67-5065-02FF-13D8B5B3C553}"/>
+              </a:ext>
+            </a:extLst>
+          </p:cNvPr>
+          <p:cNvSpPr>
+            <a:spLocks noGrp="1"/>
+          </p:cNvSpPr>
+          <p:nvPr>
+            <p:ph type="title"/>
+          </p:nvPr>
+        </p:nvSpPr>
+        <p:spPr/>
+        <p:txBody>
+          <a:bodyPr/>
+          <a:lstStyle/>
+          <a:p>
+            <a:r>
+              <a:rPr lang="en-US" dirty="0"/>
+              <a:t>Where do Functions Come From?</a:t>
+            </a:r>
+          </a:p>
+        </p:txBody>
+      </p:sp>
+      <p:sp>
+        <p:nvSpPr>
+          <p:cNvPr id="3" name="Content Placeholder 2">
+            <a:extLst>
+              <a:ext uri="{FF2B5EF4-FFF2-40B4-BE49-F238E27FC236}">
+                <a16:creationId xmlns:a16="http://schemas.microsoft.com/office/drawing/2014/main" id="{C76DA65D-C016-E710-389B-4F0BB0346B16}"/>
+              </a:ext>
+            </a:extLst>
+          </p:cNvPr>
+          <p:cNvSpPr>
+            <a:spLocks noGrp="1"/>
+          </p:cNvSpPr>
+          <p:nvPr>
+            <p:ph idx="1"/>
+          </p:nvPr>
+        </p:nvSpPr>
+        <p:spPr>
+          <a:xfrm>
+            <a:off x="1451579" y="1853753"/>
+            <a:ext cx="9603275" cy="4199727"/>
+          </a:xfrm>
+        </p:spPr>
+        <p:txBody>
+          <a:bodyPr>
+            <a:normAutofit lnSpcReduction="10000"/>
+          </a:bodyPr>
+          <a:lstStyle/>
+          <a:p>
+            <a:r>
+              <a:rPr lang="en-US" dirty="0"/>
+              <a:t>The functions we use are all written somewhere:</a:t>
+            </a:r>
+          </a:p>
+          <a:p>
+            <a:pPr lvl="1"/>
+            <a:r>
+              <a:rPr lang="en-US" dirty="0"/>
+              <a:t>The ones we write in our code. </a:t>
+            </a:r>
+          </a:p>
+          <a:p>
+            <a:pPr lvl="1"/>
+            <a:r>
+              <a:rPr lang="en-US" dirty="0"/>
+              <a:t>The methods that are part of an object class (upper for string, sort for a list, </a:t>
+            </a:r>
+            <a:r>
+              <a:rPr lang="en-US" dirty="0" err="1"/>
+              <a:t>etc</a:t>
+            </a:r>
+            <a:r>
+              <a:rPr lang="en-US" dirty="0"/>
+              <a:t>…)</a:t>
+            </a:r>
+          </a:p>
+          <a:p>
+            <a:pPr lvl="1"/>
+            <a:r>
+              <a:rPr lang="en-US" dirty="0"/>
+              <a:t>Methods that are in some other module that we import (</a:t>
+            </a:r>
+            <a:r>
+              <a:rPr lang="en-US" dirty="0" err="1"/>
+              <a:t>math.sqrt</a:t>
+            </a:r>
+            <a:r>
+              <a:rPr lang="en-US" dirty="0"/>
+              <a:t>, </a:t>
+            </a:r>
+            <a:r>
+              <a:rPr lang="en-US" dirty="0" err="1"/>
+              <a:t>random.randint</a:t>
+            </a:r>
+            <a:r>
+              <a:rPr lang="en-US" dirty="0"/>
+              <a:t>(), etc..)</a:t>
+            </a:r>
+          </a:p>
+          <a:p>
+            <a:r>
+              <a:rPr lang="en-US" dirty="0"/>
+              <a:t>Calling the functions can be different:</a:t>
+            </a:r>
+          </a:p>
+          <a:p>
+            <a:pPr lvl="1"/>
+            <a:r>
+              <a:rPr lang="en-US" dirty="0"/>
+              <a:t>Internal methods: OBJECT.FUNCTION()</a:t>
+            </a:r>
+          </a:p>
+          <a:p>
+            <a:pPr lvl="2"/>
+            <a:r>
+              <a:rPr lang="en-US" dirty="0"/>
+              <a:t>We are going inside that object and getting the “function” part of it to run. </a:t>
+            </a:r>
+          </a:p>
+          <a:p>
+            <a:pPr lvl="2"/>
+            <a:r>
+              <a:rPr lang="en-US" dirty="0"/>
+              <a:t>E.g. “some </a:t>
+            </a:r>
+            <a:r>
+              <a:rPr lang="en-US" dirty="0" err="1"/>
+              <a:t>text”.upper</a:t>
+            </a:r>
+            <a:r>
+              <a:rPr lang="en-US" dirty="0"/>
+              <a:t>() gets that upper function as “part of” the “some text” object. </a:t>
+            </a:r>
+          </a:p>
+          <a:p>
+            <a:pPr lvl="1"/>
+            <a:r>
+              <a:rPr lang="en-US" dirty="0"/>
+              <a:t>Outside functions: [</a:t>
+            </a:r>
+            <a:r>
+              <a:rPr lang="en-US" dirty="0" err="1"/>
+              <a:t>library_name</a:t>
+            </a:r>
+            <a:r>
+              <a:rPr lang="en-US" dirty="0"/>
+              <a:t>].FUNCTION(OBJECT)</a:t>
+            </a:r>
+          </a:p>
+          <a:p>
+            <a:pPr lvl="2"/>
+            <a:r>
+              <a:rPr lang="en-US" dirty="0"/>
+              <a:t>We are getting a function from some outside place, then calling it with our data. </a:t>
+            </a:r>
+          </a:p>
+          <a:p>
+            <a:pPr lvl="2"/>
+            <a:r>
+              <a:rPr lang="en-US" dirty="0"/>
+              <a:t>E.g. </a:t>
+            </a:r>
+            <a:r>
+              <a:rPr lang="en-US" dirty="0" err="1"/>
+              <a:t>math.sqrt</a:t>
+            </a:r>
+            <a:r>
+              <a:rPr lang="en-US" dirty="0"/>
+              <a:t>() gets the sqrt function from the math library and runs it. </a:t>
+            </a:r>
+          </a:p>
+        </p:txBody>
+      </p:sp>
+    </p:spTree>
+    <p:extLst>
+      <p:ext uri="{BB962C8B-B14F-4D97-AF65-F5344CB8AC3E}">
+        <p14:creationId xmlns:p14="http://schemas.microsoft.com/office/powerpoint/2010/main" val="3041626548"/>
+      </p:ext>
+    </p:extLst>
+  </p:cSld>
+  <p:clrMapOvr>
+    <a:masterClrMapping/>
+  </p:clrMapOvr>
+</p:sld>
+</file>
+
+<file path=ppt/slides/slide14.xml><?xml version="1.0" encoding="utf-8"?>
+<p:sld xmlns:a="http://schemas.openxmlformats.org/drawingml/2006/main" xmlns:r="http://schemas.openxmlformats.org/officeDocument/2006/relationships" xmlns:p="http://schemas.openxmlformats.org/presentationml/2006/main">
+  <p:cSld>
+    <p:spTree>
+      <p:nvGrpSpPr>
+        <p:cNvPr id="1" name=""/>
+        <p:cNvGrpSpPr/>
+        <p:nvPr/>
+      </p:nvGrpSpPr>
+      <p:grpSpPr>
+        <a:xfrm>
+          <a:off x="0" y="0"/>
+          <a:ext cx="0" cy="0"/>
+          <a:chOff x="0" y="0"/>
+          <a:chExt cx="0" cy="0"/>
+        </a:xfrm>
+      </p:grpSpPr>
+      <p:sp>
+        <p:nvSpPr>
+          <p:cNvPr id="2" name="Title 1">
+            <a:extLst>
+              <a:ext uri="{FF2B5EF4-FFF2-40B4-BE49-F238E27FC236}">
+                <a16:creationId xmlns:a16="http://schemas.microsoft.com/office/drawing/2014/main" id="{D983BE9F-DE7C-B2BE-F730-BCB518978E78}"/>
+              </a:ext>
+            </a:extLst>
+          </p:cNvPr>
+          <p:cNvSpPr>
+            <a:spLocks noGrp="1"/>
+          </p:cNvSpPr>
+          <p:nvPr>
+            <p:ph type="title"/>
+          </p:nvPr>
+        </p:nvSpPr>
+        <p:spPr/>
+        <p:txBody>
+          <a:bodyPr/>
+          <a:lstStyle/>
+          <a:p>
+            <a:r>
+              <a:rPr lang="en-US" dirty="0"/>
+              <a:t>Function “Targets”</a:t>
+            </a:r>
+          </a:p>
+        </p:txBody>
+      </p:sp>
+      <p:sp>
+        <p:nvSpPr>
+          <p:cNvPr id="3" name="Content Placeholder 2">
+            <a:extLst>
+              <a:ext uri="{FF2B5EF4-FFF2-40B4-BE49-F238E27FC236}">
+                <a16:creationId xmlns:a16="http://schemas.microsoft.com/office/drawing/2014/main" id="{4087B7FD-F796-F52E-3AEC-751BA0021404}"/>
+              </a:ext>
+            </a:extLst>
+          </p:cNvPr>
+          <p:cNvSpPr>
+            <a:spLocks noGrp="1"/>
+          </p:cNvSpPr>
+          <p:nvPr>
+            <p:ph idx="1"/>
+          </p:nvPr>
+        </p:nvSpPr>
+        <p:spPr>
+          <a:xfrm>
+            <a:off x="894522" y="1928191"/>
+            <a:ext cx="10853529" cy="4125289"/>
+          </a:xfrm>
+        </p:spPr>
+        <p:txBody>
+          <a:bodyPr>
+            <a:normAutofit lnSpcReduction="10000"/>
+          </a:bodyPr>
+          <a:lstStyle/>
+          <a:p>
+            <a:r>
+              <a:rPr lang="en-US" dirty="0"/>
+              <a:t>Some functions are “targeted” at different things:</a:t>
+            </a:r>
+          </a:p>
+          <a:p>
+            <a:pPr lvl="1"/>
+            <a:r>
+              <a:rPr lang="en-US" dirty="0"/>
+              <a:t>Targeted at ”themselves” – functions that act primarily on their own object. </a:t>
+            </a:r>
+          </a:p>
+          <a:p>
+            <a:pPr lvl="1"/>
+            <a:r>
+              <a:rPr lang="en-US" dirty="0"/>
+              <a:t>Targeted at arguments – functions that act primarily on their arguments. E.g. print(), </a:t>
+            </a:r>
+            <a:r>
+              <a:rPr lang="en-US" dirty="0" err="1"/>
+              <a:t>len</a:t>
+            </a:r>
+            <a:r>
+              <a:rPr lang="en-US" dirty="0"/>
+              <a:t>(), etc..</a:t>
+            </a:r>
+          </a:p>
+          <a:p>
+            <a:r>
+              <a:rPr lang="en-US" dirty="0"/>
+              <a:t>This isn’t a super critical distinction to focus on, it’s something I found ambiguous when I learned. </a:t>
+            </a:r>
+          </a:p>
+          <a:p>
+            <a:r>
+              <a:rPr lang="en-US" dirty="0"/>
+              <a:t>This will make more sense in a week or so when we do classes. </a:t>
+            </a:r>
+          </a:p>
+          <a:p>
+            <a:r>
+              <a:rPr lang="en-US" dirty="0"/>
+              <a:t>As we get into creating classes and DS, the “themselves” ones will be more visible:</a:t>
+            </a:r>
+          </a:p>
+          <a:p>
+            <a:pPr lvl="1"/>
+            <a:r>
+              <a:rPr lang="en-US" dirty="0"/>
+              <a:t>We will write functions inside of classes to “do stuff” to those objects. </a:t>
+            </a:r>
+            <a:r>
+              <a:rPr lang="en-US" dirty="0" err="1"/>
+              <a:t>Eg</a:t>
+            </a:r>
+            <a:r>
+              <a:rPr lang="en-US" dirty="0"/>
+              <a:t> ”sort”, “train”. </a:t>
+            </a:r>
+          </a:p>
+          <a:p>
+            <a:r>
+              <a:rPr lang="en-US" dirty="0"/>
+              <a:t>For now many/most of what we’ll see are the “arguments” ones, especially with basic data types. </a:t>
+            </a:r>
+          </a:p>
+          <a:p>
+            <a:pPr lvl="1"/>
+            <a:r>
+              <a:rPr lang="en-US" dirty="0"/>
+              <a:t>We sometimes call many of these “utility” functions – things like print that act as utilities that we can reuse all over the place, in all sorts of applications. </a:t>
+            </a:r>
+          </a:p>
+        </p:txBody>
+      </p:sp>
+    </p:spTree>
+    <p:extLst>
+      <p:ext uri="{BB962C8B-B14F-4D97-AF65-F5344CB8AC3E}">
+        <p14:creationId xmlns:p14="http://schemas.microsoft.com/office/powerpoint/2010/main" val="114410303"/>
+      </p:ext>
+    </p:extLst>
+  </p:cSld>
+  <p:clrMapOvr>
+    <a:masterClrMapping/>
+  </p:clrMapOvr>
+</p:sld>
+</file>
+
+<file path=ppt/slides/slide15.xml><?xml version="1.0" encoding="utf-8"?>
+<p:sld xmlns:a="http://schemas.openxmlformats.org/drawingml/2006/main" xmlns:r="http://schemas.openxmlformats.org/officeDocument/2006/relationships" xmlns:p="http://schemas.openxmlformats.org/presentationml/2006/main" show="0">
+  <p:cSld>
+    <p:spTree>
+      <p:nvGrpSpPr>
+        <p:cNvPr id="1" name=""/>
+        <p:cNvGrpSpPr/>
+        <p:nvPr/>
+      </p:nvGrpSpPr>
+      <p:grpSpPr>
+        <a:xfrm>
+          <a:off x="0" y="0"/>
+          <a:ext cx="0" cy="0"/>
+          <a:chOff x="0" y="0"/>
+          <a:chExt cx="0" cy="0"/>
+        </a:xfrm>
+      </p:grpSpPr>
+      <p:sp>
+        <p:nvSpPr>
+          <p:cNvPr id="2" name="Title 1">
+            <a:extLst>
+              <a:ext uri="{FF2B5EF4-FFF2-40B4-BE49-F238E27FC236}">
+                <a16:creationId xmlns:a16="http://schemas.microsoft.com/office/drawing/2014/main" id="{FA74FC27-BE8E-2EA0-23C9-04F1C9DF71F4}"/>
+              </a:ext>
+            </a:extLst>
+          </p:cNvPr>
+          <p:cNvSpPr>
+            <a:spLocks noGrp="1"/>
+          </p:cNvSpPr>
+          <p:nvPr>
+            <p:ph type="title"/>
+          </p:nvPr>
+        </p:nvSpPr>
+        <p:spPr/>
+        <p:txBody>
+          <a:bodyPr/>
+          <a:lstStyle/>
+          <a:p>
+            <a:r>
+              <a:rPr lang="en-US" dirty="0"/>
+              <a:t>Function Targets</a:t>
+            </a:r>
+          </a:p>
+        </p:txBody>
+      </p:sp>
+      <p:sp>
+        <p:nvSpPr>
+          <p:cNvPr id="3" name="Content Placeholder 2">
+            <a:extLst>
+              <a:ext uri="{FF2B5EF4-FFF2-40B4-BE49-F238E27FC236}">
+                <a16:creationId xmlns:a16="http://schemas.microsoft.com/office/drawing/2014/main" id="{E46338B8-0C6A-9695-836A-FD8574BC8966}"/>
+              </a:ext>
+            </a:extLst>
+          </p:cNvPr>
+          <p:cNvSpPr>
+            <a:spLocks noGrp="1"/>
+          </p:cNvSpPr>
+          <p:nvPr>
+            <p:ph idx="1"/>
+          </p:nvPr>
+        </p:nvSpPr>
+        <p:spPr/>
+        <p:txBody>
+          <a:bodyPr/>
+          <a:lstStyle/>
+          <a:p>
+            <a:r>
+              <a:rPr lang="en-US" dirty="0"/>
+              <a:t>type(ARGUMNET)</a:t>
+            </a:r>
+          </a:p>
+        </p:txBody>
+      </p:sp>
+    </p:spTree>
+    <p:extLst>
+      <p:ext uri="{BB962C8B-B14F-4D97-AF65-F5344CB8AC3E}">
+        <p14:creationId xmlns:p14="http://schemas.microsoft.com/office/powerpoint/2010/main" val="1827391264"/>
+      </p:ext>
+    </p:extLst>
+  </p:cSld>
+  <p:clrMapOvr>
+    <a:masterClrMapping/>
+  </p:clrMapOvr>
+</p:sld>
+</file>
+
+<file path=ppt/slides/slide16.xml><?xml version="1.0" encoding="utf-8"?>
+<p:sld xmlns:a="http://schemas.openxmlformats.org/drawingml/2006/main" xmlns:r="http://schemas.openxmlformats.org/officeDocument/2006/relationships" xmlns:p="http://schemas.openxmlformats.org/presentationml/2006/main">
+  <p:cSld>
+    <p:spTree>
+      <p:nvGrpSpPr>
+        <p:cNvPr id="1" name=""/>
+        <p:cNvGrpSpPr/>
+        <p:nvPr/>
+      </p:nvGrpSpPr>
+      <p:grpSpPr>
+        <a:xfrm>
+          <a:off x="0" y="0"/>
+          <a:ext cx="0" cy="0"/>
+          <a:chOff x="0" y="0"/>
+          <a:chExt cx="0" cy="0"/>
+        </a:xfrm>
+      </p:grpSpPr>
+      <p:sp>
+        <p:nvSpPr>
+          <p:cNvPr id="2" name="Title 1">
+            <a:extLst>
+              <a:ext uri="{FF2B5EF4-FFF2-40B4-BE49-F238E27FC236}">
                 <a16:creationId xmlns:a16="http://schemas.microsoft.com/office/drawing/2014/main" id="{AA94BB1C-2403-AF26-8A76-E1E7C1C6C0FE}"/>
               </a:ext>
             </a:extLst>
@@ -4276,7 +4885,7 @@
 </p:sld>
 </file>
 
-<file path=ppt/slides/slide14.xml><?xml version="1.0" encoding="utf-8"?>
+<file path=ppt/slides/slide17.xml><?xml version="1.0" encoding="utf-8"?>
 <p:sld xmlns:a="http://schemas.openxmlformats.org/drawingml/2006/main" xmlns:r="http://schemas.openxmlformats.org/officeDocument/2006/relationships" xmlns:p="http://schemas.openxmlformats.org/presentationml/2006/main">
   <p:cSld>
     <p:spTree>
@@ -4430,7 +5039,7 @@
           <p:cNvPr id="2" name="Title 1">
             <a:extLst>
               <a:ext uri="{FF2B5EF4-FFF2-40B4-BE49-F238E27FC236}">
-                <a16:creationId xmlns:a16="http://schemas.microsoft.com/office/drawing/2014/main" id="{0EEA3C94-041A-6D91-98C6-B7349ED24A66}"/>
+                <a16:creationId xmlns:a16="http://schemas.microsoft.com/office/drawing/2014/main" id="{64FC729C-2200-28CD-9B24-611CB5925410}"/>
               </a:ext>
             </a:extLst>
           </p:cNvPr>
@@ -4438,7 +5047,7 @@
             <a:spLocks noGrp="1"/>
           </p:cNvSpPr>
           <p:nvPr>
-            <p:ph type="title"/>
+            <p:ph type="ctrTitle"/>
           </p:nvPr>
         </p:nvSpPr>
         <p:spPr/>
@@ -4448,17 +5057,17 @@
           <a:p>
             <a:r>
               <a:rPr lang="en-US" dirty="0"/>
-              <a:t>What are Functions?</a:t>
-            </a:r>
-          </a:p>
-        </p:txBody>
-      </p:sp>
-      <p:sp>
-        <p:nvSpPr>
-          <p:cNvPr id="3" name="Content Placeholder 2">
+              <a:t>Functions</a:t>
+            </a:r>
+          </a:p>
+        </p:txBody>
+      </p:sp>
+      <p:sp>
+        <p:nvSpPr>
+          <p:cNvPr id="3" name="Subtitle 2">
             <a:extLst>
               <a:ext uri="{FF2B5EF4-FFF2-40B4-BE49-F238E27FC236}">
-                <a16:creationId xmlns:a16="http://schemas.microsoft.com/office/drawing/2014/main" id="{18619C67-5861-F4DE-BE05-B10F039F3434}"/>
+                <a16:creationId xmlns:a16="http://schemas.microsoft.com/office/drawing/2014/main" id="{6EC5F516-9A7A-E4D2-E4DE-1562F9BEF372}"/>
               </a:ext>
             </a:extLst>
           </p:cNvPr>
@@ -4466,141 +5075,22 @@
             <a:spLocks noGrp="1"/>
           </p:cNvSpPr>
           <p:nvPr>
-            <p:ph idx="1"/>
-          </p:nvPr>
-        </p:nvSpPr>
-        <p:spPr>
-          <a:xfrm>
-            <a:off x="1451579" y="2015732"/>
-            <a:ext cx="9603275" cy="4037749"/>
-          </a:xfrm>
-        </p:spPr>
-        <p:txBody>
-          <a:bodyPr/>
-          <a:lstStyle/>
-          <a:p>
-            <a:r>
-              <a:rPr lang="en-US" dirty="0"/>
-              <a:t>Functions are something we’ve used a bunch already – </a:t>
-            </a:r>
-            <a:r>
-              <a:rPr lang="en-US" dirty="0" err="1"/>
-              <a:t>len</a:t>
-            </a:r>
-            <a:r>
-              <a:rPr lang="en-US" dirty="0"/>
-              <a:t>(), type(), print()</a:t>
-            </a:r>
-          </a:p>
-          <a:p>
-            <a:r>
-              <a:rPr lang="en-US" dirty="0"/>
-              <a:t>Functions are blocks of code that we can call by name. </a:t>
-            </a:r>
-          </a:p>
-          <a:p>
-            <a:pPr lvl="1"/>
-            <a:r>
-              <a:rPr lang="en-US" dirty="0"/>
-              <a:t>Functions often/usually have:</a:t>
-            </a:r>
-          </a:p>
-          <a:p>
-            <a:pPr lvl="2"/>
-            <a:r>
-              <a:rPr lang="en-US" dirty="0"/>
-              <a:t>Arguments – inputs to the function. The things in the brackets, such as </a:t>
-            </a:r>
-            <a:r>
-              <a:rPr lang="en-US" dirty="0" err="1"/>
-              <a:t>len</a:t>
-            </a:r>
-            <a:r>
-              <a:rPr lang="en-US" dirty="0"/>
-              <a:t>(</a:t>
-            </a:r>
-            <a:r>
-              <a:rPr lang="en-US" dirty="0" err="1"/>
-              <a:t>my_name</a:t>
-            </a:r>
-            <a:r>
-              <a:rPr lang="en-US" dirty="0"/>
-              <a:t>). </a:t>
-            </a:r>
-          </a:p>
-          <a:p>
-            <a:pPr lvl="2"/>
-            <a:r>
-              <a:rPr lang="en-US" dirty="0"/>
-              <a:t>Returns – the value that the function gives back as a “result”. The thing that we “use” from the function, such as </a:t>
-            </a:r>
-            <a:r>
-              <a:rPr lang="en-US" dirty="0" err="1"/>
-              <a:t>my_sqrt</a:t>
-            </a:r>
-            <a:r>
-              <a:rPr lang="en-US" dirty="0"/>
-              <a:t> = </a:t>
-            </a:r>
-            <a:r>
-              <a:rPr lang="en-US" dirty="0" err="1"/>
-              <a:t>math.sqrt</a:t>
-            </a:r>
-            <a:r>
-              <a:rPr lang="en-US" dirty="0"/>
-              <a:t>(</a:t>
-            </a:r>
-            <a:r>
-              <a:rPr lang="en-US" dirty="0" err="1"/>
-              <a:t>my_number</a:t>
-            </a:r>
-            <a:r>
-              <a:rPr lang="en-US" dirty="0"/>
-              <a:t>). </a:t>
-            </a:r>
-          </a:p>
-          <a:p>
-            <a:pPr lvl="2"/>
-            <a:r>
-              <a:rPr lang="en-US" dirty="0"/>
-              <a:t>Neither are required, it depends on the function. </a:t>
-            </a:r>
-          </a:p>
-          <a:p>
-            <a:pPr lvl="2"/>
-            <a:r>
-              <a:rPr lang="en-US" dirty="0"/>
-              <a:t>Functions can also do other, non-return, stuff – write to a file, print, update a </a:t>
-            </a:r>
-            <a:r>
-              <a:rPr lang="en-US" dirty="0" err="1"/>
-              <a:t>db</a:t>
-            </a:r>
-            <a:r>
-              <a:rPr lang="en-US" dirty="0"/>
-              <a:t>, </a:t>
-            </a:r>
-            <a:r>
-              <a:rPr lang="en-US" dirty="0" err="1"/>
-              <a:t>etc</a:t>
-            </a:r>
-            <a:r>
-              <a:rPr lang="en-US" dirty="0"/>
-              <a:t>… </a:t>
-            </a:r>
-          </a:p>
-          <a:p>
-            <a:r>
-              <a:rPr lang="en-US" dirty="0"/>
-              <a:t>Functions make our code easier to read, use, reuse, share, and test. </a:t>
-            </a:r>
+            <p:ph type="subTitle" idx="1"/>
+          </p:nvPr>
+        </p:nvSpPr>
+        <p:spPr/>
+        <p:txBody>
+          <a:bodyPr/>
+          <a:lstStyle/>
+          <a:p>
+            <a:endParaRPr lang="en-US" dirty="0"/>
           </a:p>
         </p:txBody>
       </p:sp>
     </p:spTree>
     <p:extLst>
       <p:ext uri="{BB962C8B-B14F-4D97-AF65-F5344CB8AC3E}">
-        <p14:creationId xmlns:p14="http://schemas.microsoft.com/office/powerpoint/2010/main" val="2168542544"/>
+        <p14:creationId xmlns:p14="http://schemas.microsoft.com/office/powerpoint/2010/main" val="3767398727"/>
       </p:ext>
     </p:extLst>
   </p:cSld>
@@ -4632,6 +5122,208 @@
           <p:cNvPr id="2" name="Title 1">
             <a:extLst>
               <a:ext uri="{FF2B5EF4-FFF2-40B4-BE49-F238E27FC236}">
+                <a16:creationId xmlns:a16="http://schemas.microsoft.com/office/drawing/2014/main" id="{0EEA3C94-041A-6D91-98C6-B7349ED24A66}"/>
+              </a:ext>
+            </a:extLst>
+          </p:cNvPr>
+          <p:cNvSpPr>
+            <a:spLocks noGrp="1"/>
+          </p:cNvSpPr>
+          <p:nvPr>
+            <p:ph type="title"/>
+          </p:nvPr>
+        </p:nvSpPr>
+        <p:spPr/>
+        <p:txBody>
+          <a:bodyPr/>
+          <a:lstStyle/>
+          <a:p>
+            <a:r>
+              <a:rPr lang="en-US" dirty="0"/>
+              <a:t>What are Functions?</a:t>
+            </a:r>
+          </a:p>
+        </p:txBody>
+      </p:sp>
+      <p:sp>
+        <p:nvSpPr>
+          <p:cNvPr id="3" name="Content Placeholder 2">
+            <a:extLst>
+              <a:ext uri="{FF2B5EF4-FFF2-40B4-BE49-F238E27FC236}">
+                <a16:creationId xmlns:a16="http://schemas.microsoft.com/office/drawing/2014/main" id="{18619C67-5861-F4DE-BE05-B10F039F3434}"/>
+              </a:ext>
+            </a:extLst>
+          </p:cNvPr>
+          <p:cNvSpPr>
+            <a:spLocks noGrp="1"/>
+          </p:cNvSpPr>
+          <p:nvPr>
+            <p:ph idx="1"/>
+          </p:nvPr>
+        </p:nvSpPr>
+        <p:spPr>
+          <a:xfrm>
+            <a:off x="1451579" y="2015732"/>
+            <a:ext cx="9603275" cy="4037749"/>
+          </a:xfrm>
+        </p:spPr>
+        <p:txBody>
+          <a:bodyPr/>
+          <a:lstStyle/>
+          <a:p>
+            <a:r>
+              <a:rPr lang="en-US" dirty="0"/>
+              <a:t>Functions are something we’ve used a bunch already – </a:t>
+            </a:r>
+            <a:r>
+              <a:rPr lang="en-US" dirty="0" err="1"/>
+              <a:t>len</a:t>
+            </a:r>
+            <a:r>
+              <a:rPr lang="en-US" dirty="0"/>
+              <a:t>(), type(), print()</a:t>
+            </a:r>
+          </a:p>
+          <a:p>
+            <a:r>
+              <a:rPr lang="en-US" dirty="0"/>
+              <a:t>Functions are blocks of code that we can call by name. </a:t>
+            </a:r>
+          </a:p>
+          <a:p>
+            <a:pPr lvl="1"/>
+            <a:r>
+              <a:rPr lang="en-US" dirty="0"/>
+              <a:t>Functions often/usually have:</a:t>
+            </a:r>
+          </a:p>
+          <a:p>
+            <a:pPr lvl="2"/>
+            <a:r>
+              <a:rPr lang="en-US" dirty="0"/>
+              <a:t>Arguments – inputs to the function. The things in the brackets, such as </a:t>
+            </a:r>
+            <a:r>
+              <a:rPr lang="en-US" dirty="0" err="1"/>
+              <a:t>len</a:t>
+            </a:r>
+            <a:r>
+              <a:rPr lang="en-US" dirty="0"/>
+              <a:t>(</a:t>
+            </a:r>
+            <a:r>
+              <a:rPr lang="en-US" dirty="0" err="1"/>
+              <a:t>my_name</a:t>
+            </a:r>
+            <a:r>
+              <a:rPr lang="en-US" dirty="0"/>
+              <a:t>). </a:t>
+            </a:r>
+          </a:p>
+          <a:p>
+            <a:pPr lvl="2"/>
+            <a:r>
+              <a:rPr lang="en-US" dirty="0"/>
+              <a:t>Returns – the value that the function gives back as a “result”. The thing that we “use” from the function, such as </a:t>
+            </a:r>
+            <a:r>
+              <a:rPr lang="en-US" dirty="0" err="1"/>
+              <a:t>my_sqrt</a:t>
+            </a:r>
+            <a:r>
+              <a:rPr lang="en-US" dirty="0"/>
+              <a:t> = </a:t>
+            </a:r>
+            <a:r>
+              <a:rPr lang="en-US" dirty="0" err="1"/>
+              <a:t>math.sqrt</a:t>
+            </a:r>
+            <a:r>
+              <a:rPr lang="en-US" dirty="0"/>
+              <a:t>(</a:t>
+            </a:r>
+            <a:r>
+              <a:rPr lang="en-US" dirty="0" err="1"/>
+              <a:t>my_number</a:t>
+            </a:r>
+            <a:r>
+              <a:rPr lang="en-US" dirty="0"/>
+              <a:t>). </a:t>
+            </a:r>
+          </a:p>
+          <a:p>
+            <a:pPr lvl="2"/>
+            <a:r>
+              <a:rPr lang="en-US" dirty="0"/>
+              <a:t>Neither are required, it depends on the function. </a:t>
+            </a:r>
+          </a:p>
+          <a:p>
+            <a:pPr lvl="2"/>
+            <a:r>
+              <a:rPr lang="en-US" dirty="0"/>
+              <a:t>Functions can also do other, non-return, stuff – write to a file, print, update a </a:t>
+            </a:r>
+            <a:r>
+              <a:rPr lang="en-US" dirty="0" err="1"/>
+              <a:t>db</a:t>
+            </a:r>
+            <a:r>
+              <a:rPr lang="en-US" dirty="0"/>
+              <a:t>, </a:t>
+            </a:r>
+            <a:r>
+              <a:rPr lang="en-US" dirty="0" err="1"/>
+              <a:t>etc</a:t>
+            </a:r>
+            <a:r>
+              <a:rPr lang="en-US" dirty="0"/>
+              <a:t>… </a:t>
+            </a:r>
+          </a:p>
+          <a:p>
+            <a:r>
+              <a:rPr lang="en-US" dirty="0"/>
+              <a:t>Functions make our code easier to read, use, reuse, share, and test. </a:t>
+            </a:r>
+          </a:p>
+        </p:txBody>
+      </p:sp>
+    </p:spTree>
+    <p:extLst>
+      <p:ext uri="{BB962C8B-B14F-4D97-AF65-F5344CB8AC3E}">
+        <p14:creationId xmlns:p14="http://schemas.microsoft.com/office/powerpoint/2010/main" val="2168542544"/>
+      </p:ext>
+    </p:extLst>
+  </p:cSld>
+  <p:clrMapOvr>
+    <a:masterClrMapping/>
+  </p:clrMapOvr>
+</p:sld>
+</file>
+
+<file path=ppt/slides/slide4.xml><?xml version="1.0" encoding="utf-8"?>
+<p:sld xmlns:a="http://schemas.openxmlformats.org/drawingml/2006/main" xmlns:r="http://schemas.openxmlformats.org/officeDocument/2006/relationships" xmlns:p="http://schemas.openxmlformats.org/presentationml/2006/main">
+  <p:cSld>
+    <p:spTree>
+      <p:nvGrpSpPr>
+        <p:cNvPr id="1" name=""/>
+        <p:cNvGrpSpPr/>
+        <p:nvPr/>
+      </p:nvGrpSpPr>
+      <p:grpSpPr>
+        <a:xfrm>
+          <a:off x="0" y="0"/>
+          <a:ext cx="0" cy="0"/>
+          <a:chOff x="0" y="0"/>
+          <a:chExt cx="0" cy="0"/>
+        </a:xfrm>
+      </p:grpSpPr>
+      <p:sp>
+        <p:nvSpPr>
+          <p:cNvPr id="2" name="Title 1">
+            <a:extLst>
+              <a:ext uri="{FF2B5EF4-FFF2-40B4-BE49-F238E27FC236}">
                 <a16:creationId xmlns:a16="http://schemas.microsoft.com/office/drawing/2014/main" id="{EF7A8AF7-7285-9F74-9A45-258C532E605B}"/>
               </a:ext>
             </a:extLst>
@@ -4741,7 +5433,163 @@
 </p:sld>
 </file>
 
-<file path=ppt/slides/slide4.xml><?xml version="1.0" encoding="utf-8"?>
+<file path=ppt/slides/slide5.xml><?xml version="1.0" encoding="utf-8"?>
+<p:sld xmlns:a="http://schemas.openxmlformats.org/drawingml/2006/main" xmlns:r="http://schemas.openxmlformats.org/officeDocument/2006/relationships" xmlns:p="http://schemas.openxmlformats.org/presentationml/2006/main">
+  <p:cSld>
+    <p:spTree>
+      <p:nvGrpSpPr>
+        <p:cNvPr id="1" name=""/>
+        <p:cNvGrpSpPr/>
+        <p:nvPr/>
+      </p:nvGrpSpPr>
+      <p:grpSpPr>
+        <a:xfrm>
+          <a:off x="0" y="0"/>
+          <a:ext cx="0" cy="0"/>
+          <a:chOff x="0" y="0"/>
+          <a:chExt cx="0" cy="0"/>
+        </a:xfrm>
+      </p:grpSpPr>
+      <p:sp>
+        <p:nvSpPr>
+          <p:cNvPr id="2" name="Title 1">
+            <a:extLst>
+              <a:ext uri="{FF2B5EF4-FFF2-40B4-BE49-F238E27FC236}">
+                <a16:creationId xmlns:a16="http://schemas.microsoft.com/office/drawing/2014/main" id="{FAD6502D-064C-4FD1-2214-1924904F37F8}"/>
+              </a:ext>
+            </a:extLst>
+          </p:cNvPr>
+          <p:cNvSpPr>
+            <a:spLocks noGrp="1"/>
+          </p:cNvSpPr>
+          <p:nvPr>
+            <p:ph type="title"/>
+          </p:nvPr>
+        </p:nvSpPr>
+        <p:spPr/>
+        <p:txBody>
+          <a:bodyPr/>
+          <a:lstStyle/>
+          <a:p>
+            <a:r>
+              <a:rPr lang="en-US" dirty="0"/>
+              <a:t>Algorithms are Simple!</a:t>
+            </a:r>
+          </a:p>
+        </p:txBody>
+      </p:sp>
+      <p:sp>
+        <p:nvSpPr>
+          <p:cNvPr id="3" name="Content Placeholder 2">
+            <a:extLst>
+              <a:ext uri="{FF2B5EF4-FFF2-40B4-BE49-F238E27FC236}">
+                <a16:creationId xmlns:a16="http://schemas.microsoft.com/office/drawing/2014/main" id="{BF761757-57D4-8FF5-5AA7-E45BA5074D78}"/>
+              </a:ext>
+            </a:extLst>
+          </p:cNvPr>
+          <p:cNvSpPr>
+            <a:spLocks noGrp="1"/>
+          </p:cNvSpPr>
+          <p:nvPr>
+            <p:ph idx="1"/>
+          </p:nvPr>
+        </p:nvSpPr>
+        <p:spPr>
+          <a:xfrm>
+            <a:off x="8770775" y="2015732"/>
+            <a:ext cx="3340359" cy="3450613"/>
+          </a:xfrm>
+        </p:spPr>
+        <p:txBody>
+          <a:bodyPr/>
+          <a:lstStyle/>
+          <a:p>
+            <a:r>
+              <a:rPr lang="en-US" dirty="0"/>
+              <a:t>Any defined process is likely an algorithm. </a:t>
+            </a:r>
+          </a:p>
+          <a:p>
+            <a:r>
+              <a:rPr lang="en-US" dirty="0"/>
+              <a:t>E.g. making coffee, starting the lawnmower, sorting items in a list, </a:t>
+            </a:r>
+            <a:r>
+              <a:rPr lang="en-US" dirty="0" err="1"/>
+              <a:t>etc</a:t>
+            </a:r>
+            <a:r>
+              <a:rPr lang="en-US" dirty="0"/>
+              <a:t>…</a:t>
+            </a:r>
+          </a:p>
+          <a:p>
+            <a:r>
+              <a:rPr lang="en-US" dirty="0"/>
+              <a:t>Inputs and outputs can map to a function directly. </a:t>
+            </a:r>
+          </a:p>
+        </p:txBody>
+      </p:sp>
+      <p:pic>
+        <p:nvPicPr>
+          <p:cNvPr id="1026" name="Picture 2" descr="What Is An Algorithm? [Everything to know]">
+            <a:extLst>
+              <a:ext uri="{FF2B5EF4-FFF2-40B4-BE49-F238E27FC236}">
+                <a16:creationId xmlns:a16="http://schemas.microsoft.com/office/drawing/2014/main" id="{8CB68FD9-2B28-00C9-CE1B-FB5B7076E640}"/>
+              </a:ext>
+            </a:extLst>
+          </p:cNvPr>
+          <p:cNvPicPr>
+            <a:picLocks noChangeAspect="1" noChangeArrowheads="1"/>
+          </p:cNvPicPr>
+          <p:nvPr/>
+        </p:nvPicPr>
+        <p:blipFill rotWithShape="1">
+          <a:blip r:embed="rId2">
+            <a:extLst>
+              <a:ext uri="{28A0092B-C50C-407E-A947-70E740481C1C}">
+                <a14:useLocalDpi xmlns:a14="http://schemas.microsoft.com/office/drawing/2010/main" val="0"/>
+              </a:ext>
+            </a:extLst>
+          </a:blip>
+          <a:srcRect l="13392" t="27031" r="14668" b="20292"/>
+          <a:stretch/>
+        </p:blipFill>
+        <p:spPr bwMode="auto">
+          <a:xfrm>
+            <a:off x="0" y="2015732"/>
+            <a:ext cx="8770776" cy="3612591"/>
+          </a:xfrm>
+          <a:prstGeom prst="rect">
+            <a:avLst/>
+          </a:prstGeom>
+          <a:noFill/>
+          <a:extLst>
+            <a:ext uri="{909E8E84-426E-40DD-AFC4-6F175D3DCCD1}">
+              <a14:hiddenFill xmlns:a14="http://schemas.microsoft.com/office/drawing/2010/main">
+                <a:solidFill>
+                  <a:srgbClr val="FFFFFF"/>
+                </a:solidFill>
+              </a14:hiddenFill>
+            </a:ext>
+          </a:extLst>
+        </p:spPr>
+      </p:pic>
+    </p:spTree>
+    <p:extLst>
+      <p:ext uri="{BB962C8B-B14F-4D97-AF65-F5344CB8AC3E}">
+        <p14:creationId xmlns:p14="http://schemas.microsoft.com/office/powerpoint/2010/main" val="3036197386"/>
+      </p:ext>
+    </p:extLst>
+  </p:cSld>
+  <p:clrMapOvr>
+    <a:masterClrMapping/>
+  </p:clrMapOvr>
+</p:sld>
+</file>
+
+<file path=ppt/slides/slide6.xml><?xml version="1.0" encoding="utf-8"?>
 <p:sld xmlns:a="http://schemas.openxmlformats.org/drawingml/2006/main" xmlns:r="http://schemas.openxmlformats.org/officeDocument/2006/relationships" xmlns:p="http://schemas.openxmlformats.org/presentationml/2006/main">
   <p:cSld>
     <p:spTree>
@@ -4871,7 +5719,7 @@
 </p:sld>
 </file>
 
-<file path=ppt/slides/slide5.xml><?xml version="1.0" encoding="utf-8"?>
+<file path=ppt/slides/slide7.xml><?xml version="1.0" encoding="utf-8"?>
 <p:sld xmlns:a="http://schemas.openxmlformats.org/drawingml/2006/main" xmlns:r="http://schemas.openxmlformats.org/officeDocument/2006/relationships" xmlns:p="http://schemas.openxmlformats.org/presentationml/2006/main">
   <p:cSld>
     <p:spTree>
@@ -5024,7 +5872,7 @@
 </p:sld>
 </file>
 
-<file path=ppt/slides/slide6.xml><?xml version="1.0" encoding="utf-8"?>
+<file path=ppt/slides/slide8.xml><?xml version="1.0" encoding="utf-8"?>
 <p:sld xmlns:a="http://schemas.openxmlformats.org/drawingml/2006/main" xmlns:r="http://schemas.openxmlformats.org/officeDocument/2006/relationships" xmlns:p="http://schemas.openxmlformats.org/presentationml/2006/main">
   <p:cSld>
     <p:spTree>
@@ -5064,7 +5912,7 @@
           <a:p>
             <a:r>
               <a:rPr lang="en-US" dirty="0"/>
-              <a:t>Parameters</a:t>
+              <a:t>Parameters/Arguments</a:t>
             </a:r>
           </a:p>
         </p:txBody>
@@ -5202,7 +6050,7 @@
 </p:sld>
 </file>
 
-<file path=ppt/slides/slide7.xml><?xml version="1.0" encoding="utf-8"?>
+<file path=ppt/slides/slide9.xml><?xml version="1.0" encoding="utf-8"?>
 <p:sld xmlns:a="http://schemas.openxmlformats.org/drawingml/2006/main" xmlns:r="http://schemas.openxmlformats.org/officeDocument/2006/relationships" xmlns:p="http://schemas.openxmlformats.org/presentationml/2006/main">
   <p:cSld>
     <p:spTree>
@@ -5320,365 +6168,6 @@
     <p:extLst>
       <p:ext uri="{BB962C8B-B14F-4D97-AF65-F5344CB8AC3E}">
         <p14:creationId xmlns:p14="http://schemas.microsoft.com/office/powerpoint/2010/main" val="1859701845"/>
-      </p:ext>
-    </p:extLst>
-  </p:cSld>
-  <p:clrMapOvr>
-    <a:masterClrMapping/>
-  </p:clrMapOvr>
-</p:sld>
-</file>
-
-<file path=ppt/slides/slide8.xml><?xml version="1.0" encoding="utf-8"?>
-<p:sld xmlns:a="http://schemas.openxmlformats.org/drawingml/2006/main" xmlns:r="http://schemas.openxmlformats.org/officeDocument/2006/relationships" xmlns:p="http://schemas.openxmlformats.org/presentationml/2006/main">
-  <p:cSld>
-    <p:spTree>
-      <p:nvGrpSpPr>
-        <p:cNvPr id="1" name=""/>
-        <p:cNvGrpSpPr/>
-        <p:nvPr/>
-      </p:nvGrpSpPr>
-      <p:grpSpPr>
-        <a:xfrm>
-          <a:off x="0" y="0"/>
-          <a:ext cx="0" cy="0"/>
-          <a:chOff x="0" y="0"/>
-          <a:chExt cx="0" cy="0"/>
-        </a:xfrm>
-      </p:grpSpPr>
-      <p:sp>
-        <p:nvSpPr>
-          <p:cNvPr id="2" name="Title 1">
-            <a:extLst>
-              <a:ext uri="{FF2B5EF4-FFF2-40B4-BE49-F238E27FC236}">
-                <a16:creationId xmlns:a16="http://schemas.microsoft.com/office/drawing/2014/main" id="{FF802690-A9BF-B948-6ECD-0DA6D9934399}"/>
-              </a:ext>
-            </a:extLst>
-          </p:cNvPr>
-          <p:cNvSpPr>
-            <a:spLocks noGrp="1"/>
-          </p:cNvSpPr>
-          <p:nvPr>
-            <p:ph type="title"/>
-          </p:nvPr>
-        </p:nvSpPr>
-        <p:spPr/>
-        <p:txBody>
-          <a:bodyPr/>
-          <a:lstStyle/>
-          <a:p>
-            <a:r>
-              <a:rPr lang="en-US" dirty="0"/>
-              <a:t>Variable Scope</a:t>
-            </a:r>
-          </a:p>
-        </p:txBody>
-      </p:sp>
-      <p:sp>
-        <p:nvSpPr>
-          <p:cNvPr id="3" name="Content Placeholder 2">
-            <a:extLst>
-              <a:ext uri="{FF2B5EF4-FFF2-40B4-BE49-F238E27FC236}">
-                <a16:creationId xmlns:a16="http://schemas.microsoft.com/office/drawing/2014/main" id="{C37068FF-6514-C0E7-71F0-466051E79FFF}"/>
-              </a:ext>
-            </a:extLst>
-          </p:cNvPr>
-          <p:cNvSpPr>
-            <a:spLocks noGrp="1"/>
-          </p:cNvSpPr>
-          <p:nvPr>
-            <p:ph idx="1"/>
-          </p:nvPr>
-        </p:nvSpPr>
-        <p:spPr>
-          <a:xfrm>
-            <a:off x="1451579" y="1853754"/>
-            <a:ext cx="9603275" cy="4199727"/>
-          </a:xfrm>
-        </p:spPr>
-        <p:txBody>
-          <a:bodyPr>
-            <a:normAutofit lnSpcReduction="10000"/>
-          </a:bodyPr>
-          <a:lstStyle/>
-          <a:p>
-            <a:r>
-              <a:rPr lang="en-US" dirty="0"/>
-              <a:t>Functions introduce us to variable scope. </a:t>
-            </a:r>
-          </a:p>
-          <a:p>
-            <a:r>
-              <a:rPr lang="en-US" dirty="0"/>
-              <a:t>The scope of a variable refers to where is is available. </a:t>
-            </a:r>
-          </a:p>
-          <a:p>
-            <a:r>
-              <a:rPr lang="en-US" dirty="0"/>
-              <a:t>We have 3 potential scopes:</a:t>
-            </a:r>
-          </a:p>
-          <a:p>
-            <a:pPr lvl="1"/>
-            <a:r>
-              <a:rPr lang="en-US" dirty="0"/>
-              <a:t>Global – available everywhere in the program. </a:t>
-            </a:r>
-          </a:p>
-          <a:p>
-            <a:pPr lvl="1"/>
-            <a:r>
-              <a:rPr lang="en-US" dirty="0"/>
-              <a:t>Enclosed – nested inside other functions. </a:t>
-            </a:r>
-          </a:p>
-          <a:p>
-            <a:pPr lvl="1"/>
-            <a:r>
-              <a:rPr lang="en-US" dirty="0"/>
-              <a:t>Local – available inside a function. </a:t>
-            </a:r>
-          </a:p>
-          <a:p>
-            <a:r>
-              <a:rPr lang="en-US" dirty="0"/>
-              <a:t>Python will resolve, or look for a match, from the bottom up. </a:t>
-            </a:r>
-          </a:p>
-          <a:p>
-            <a:pPr lvl="1"/>
-            <a:r>
-              <a:rPr lang="en-US" dirty="0"/>
-              <a:t>Careful on reusing variable names for scopes that can overlap. </a:t>
-            </a:r>
-          </a:p>
-          <a:p>
-            <a:r>
-              <a:rPr lang="en-US" dirty="0"/>
-              <a:t>Each separate function has its own independent scope. </a:t>
-            </a:r>
-          </a:p>
-          <a:p>
-            <a:pPr lvl="1"/>
-            <a:r>
-              <a:rPr lang="en-US" dirty="0"/>
-              <a:t>We commonly reuse variable names from function to function, especially generic ones. </a:t>
-            </a:r>
-          </a:p>
-        </p:txBody>
-      </p:sp>
-      <p:pic>
-        <p:nvPicPr>
-          <p:cNvPr id="3074" name="Picture 2" descr="Python Variable Scope with Local &amp; Non-local Examples | DataCamp">
-            <a:extLst>
-              <a:ext uri="{FF2B5EF4-FFF2-40B4-BE49-F238E27FC236}">
-                <a16:creationId xmlns:a16="http://schemas.microsoft.com/office/drawing/2014/main" id="{F0626467-1DF9-77C5-D102-CCBAFB4043A5}"/>
-              </a:ext>
-            </a:extLst>
-          </p:cNvPr>
-          <p:cNvPicPr>
-            <a:picLocks noChangeAspect="1" noChangeArrowheads="1"/>
-          </p:cNvPicPr>
-          <p:nvPr/>
-        </p:nvPicPr>
-        <p:blipFill>
-          <a:blip r:embed="rId2">
-            <a:extLst>
-              <a:ext uri="{28A0092B-C50C-407E-A947-70E740481C1C}">
-                <a14:useLocalDpi xmlns:a14="http://schemas.microsoft.com/office/drawing/2010/main" val="0"/>
-              </a:ext>
-            </a:extLst>
-          </a:blip>
-          <a:srcRect/>
-          <a:stretch>
-            <a:fillRect/>
-          </a:stretch>
-        </p:blipFill>
-        <p:spPr bwMode="auto">
-          <a:xfrm>
-            <a:off x="8340811" y="1836004"/>
-            <a:ext cx="3851189" cy="3386724"/>
-          </a:xfrm>
-          <a:prstGeom prst="rect">
-            <a:avLst/>
-          </a:prstGeom>
-          <a:noFill/>
-          <a:extLst>
-            <a:ext uri="{909E8E84-426E-40DD-AFC4-6F175D3DCCD1}">
-              <a14:hiddenFill xmlns:a14="http://schemas.microsoft.com/office/drawing/2010/main">
-                <a:solidFill>
-                  <a:srgbClr val="FFFFFF"/>
-                </a:solidFill>
-              </a14:hiddenFill>
-            </a:ext>
-          </a:extLst>
-        </p:spPr>
-      </p:pic>
-    </p:spTree>
-    <p:extLst>
-      <p:ext uri="{BB962C8B-B14F-4D97-AF65-F5344CB8AC3E}">
-        <p14:creationId xmlns:p14="http://schemas.microsoft.com/office/powerpoint/2010/main" val="3893778997"/>
-      </p:ext>
-    </p:extLst>
-  </p:cSld>
-  <p:clrMapOvr>
-    <a:masterClrMapping/>
-  </p:clrMapOvr>
-</p:sld>
-</file>
-
-<file path=ppt/slides/slide9.xml><?xml version="1.0" encoding="utf-8"?>
-<p:sld xmlns:a="http://schemas.openxmlformats.org/drawingml/2006/main" xmlns:r="http://schemas.openxmlformats.org/officeDocument/2006/relationships" xmlns:p="http://schemas.openxmlformats.org/presentationml/2006/main">
-  <p:cSld>
-    <p:spTree>
-      <p:nvGrpSpPr>
-        <p:cNvPr id="1" name=""/>
-        <p:cNvGrpSpPr/>
-        <p:nvPr/>
-      </p:nvGrpSpPr>
-      <p:grpSpPr>
-        <a:xfrm>
-          <a:off x="0" y="0"/>
-          <a:ext cx="0" cy="0"/>
-          <a:chOff x="0" y="0"/>
-          <a:chExt cx="0" cy="0"/>
-        </a:xfrm>
-      </p:grpSpPr>
-      <p:sp>
-        <p:nvSpPr>
-          <p:cNvPr id="2" name="Title 1">
-            <a:extLst>
-              <a:ext uri="{FF2B5EF4-FFF2-40B4-BE49-F238E27FC236}">
-                <a16:creationId xmlns:a16="http://schemas.microsoft.com/office/drawing/2014/main" id="{A6088745-210F-783A-B27A-45B8DA103170}"/>
-              </a:ext>
-            </a:extLst>
-          </p:cNvPr>
-          <p:cNvSpPr>
-            <a:spLocks noGrp="1"/>
-          </p:cNvSpPr>
-          <p:nvPr>
-            <p:ph type="title"/>
-          </p:nvPr>
-        </p:nvSpPr>
-        <p:spPr/>
-        <p:txBody>
-          <a:bodyPr/>
-          <a:lstStyle/>
-          <a:p>
-            <a:r>
-              <a:rPr lang="en-US" dirty="0"/>
-              <a:t>Fruitful vs. Void Functions</a:t>
-            </a:r>
-          </a:p>
-        </p:txBody>
-      </p:sp>
-      <p:sp>
-        <p:nvSpPr>
-          <p:cNvPr id="3" name="Content Placeholder 2">
-            <a:extLst>
-              <a:ext uri="{FF2B5EF4-FFF2-40B4-BE49-F238E27FC236}">
-                <a16:creationId xmlns:a16="http://schemas.microsoft.com/office/drawing/2014/main" id="{7855636E-D2EF-3E20-4F05-8409F34522DA}"/>
-              </a:ext>
-            </a:extLst>
-          </p:cNvPr>
-          <p:cNvSpPr>
-            <a:spLocks noGrp="1"/>
-          </p:cNvSpPr>
-          <p:nvPr>
-            <p:ph idx="1"/>
-          </p:nvPr>
-        </p:nvSpPr>
-        <p:spPr>
-          <a:xfrm>
-            <a:off x="1451579" y="1853754"/>
-            <a:ext cx="9603275" cy="4199727"/>
-          </a:xfrm>
-        </p:spPr>
-        <p:txBody>
-          <a:bodyPr>
-            <a:normAutofit lnSpcReduction="10000"/>
-          </a:bodyPr>
-          <a:lstStyle/>
-          <a:p>
-            <a:r>
-              <a:rPr lang="en-US" dirty="0"/>
-              <a:t>One key distinction in types of functions is what they return. </a:t>
-            </a:r>
-          </a:p>
-          <a:p>
-            <a:r>
-              <a:rPr lang="en-US" dirty="0"/>
-              <a:t>”Fruitful” functions return some value. </a:t>
-            </a:r>
-          </a:p>
-          <a:p>
-            <a:pPr lvl="1"/>
-            <a:r>
-              <a:rPr lang="en-US" dirty="0"/>
-              <a:t>E.g. a = </a:t>
-            </a:r>
-            <a:r>
-              <a:rPr lang="en-US" dirty="0" err="1"/>
-              <a:t>math.sqrt</a:t>
-            </a:r>
-            <a:r>
-              <a:rPr lang="en-US" dirty="0"/>
-              <a:t>(9)</a:t>
-            </a:r>
-          </a:p>
-          <a:p>
-            <a:pPr lvl="1"/>
-            <a:r>
-              <a:rPr lang="en-US" dirty="0"/>
-              <a:t>We normally set some variable to the result of the function. </a:t>
-            </a:r>
-          </a:p>
-          <a:p>
-            <a:pPr lvl="1"/>
-            <a:r>
-              <a:rPr lang="en-US" dirty="0"/>
-              <a:t>When doing something like checking a condition of a loop, this is common. </a:t>
-            </a:r>
-          </a:p>
-          <a:p>
-            <a:r>
-              <a:rPr lang="en-US" dirty="0"/>
-              <a:t>Void functions do some action, but don’t return the result.</a:t>
-            </a:r>
-          </a:p>
-          <a:p>
-            <a:pPr lvl="1"/>
-            <a:r>
-              <a:rPr lang="en-US" dirty="0"/>
-              <a:t>E.g. print(“hello”)</a:t>
-            </a:r>
-          </a:p>
-          <a:p>
-            <a:r>
-              <a:rPr lang="en-US" dirty="0"/>
-              <a:t>We can also return other useful info like status, if needed. Common in ML model training. </a:t>
-            </a:r>
-          </a:p>
-          <a:p>
-            <a:r>
-              <a:rPr lang="en-US" dirty="0"/>
-              <a:t>Returns with multiple values are ok, this is a common tuple use:</a:t>
-            </a:r>
-          </a:p>
-          <a:p>
-            <a:pPr lvl="1"/>
-            <a:r>
-              <a:rPr lang="en-US" dirty="0"/>
-              <a:t>Return (result, status)</a:t>
-            </a:r>
-          </a:p>
-        </p:txBody>
-      </p:sp>
-    </p:spTree>
-    <p:extLst>
-      <p:ext uri="{BB962C8B-B14F-4D97-AF65-F5344CB8AC3E}">
-        <p14:creationId xmlns:p14="http://schemas.microsoft.com/office/powerpoint/2010/main" val="585481035"/>
       </p:ext>
     </p:extLst>
   </p:cSld>

--- a/reference_material/slides/004_functions.pptx
+++ b/reference_material/slides/004_functions.pptx
@@ -3711,13 +3711,8 @@
             <a:pPr lvl="1"/>
             <a:r>
               <a:rPr lang="en-US" dirty="0"/>
-              <a:t>Up to Lab 2 is updated and (hopefully</a:t>
-            </a:r>
-            <a:r>
-              <a:rPr lang="en-US"/>
-              <a:t>) working ok. </a:t>
-            </a:r>
-            <a:endParaRPr lang="en-US" dirty="0"/>
+              <a:t>Up to Lab 2 is updated and (hopefully) working ok. `</a:t>
+            </a:r>
           </a:p>
           <a:p>
             <a:r>
